--- a/presentation/Project-Presentation.pptx
+++ b/presentation/Project-Presentation.pptx
@@ -219,7 +219,7 @@
           <a:p>
             <a:fld id="{A7FFF3D5-063D-4CC1-8349-88AB7FEFD430}" type="datetimeFigureOut">
               <a:rPr lang="en-GB" smtClean="0"/>
-              <a:t>09/05/2025</a:t>
+              <a:t>14/08/2025</a:t>
             </a:fld>
             <a:endParaRPr lang="en-GB"/>
           </a:p>
@@ -720,7 +720,7 @@
           <a:p>
             <a:fld id="{68BD01A5-178E-42BA-8DE3-1E83FF417D73}" type="datetimeFigureOut">
               <a:rPr lang="en-GB" smtClean="0"/>
-              <a:t>09/05/2025</a:t>
+              <a:t>14/08/2025</a:t>
             </a:fld>
             <a:endParaRPr lang="en-GB"/>
           </a:p>
@@ -920,7 +920,7 @@
           <a:p>
             <a:fld id="{68BD01A5-178E-42BA-8DE3-1E83FF417D73}" type="datetimeFigureOut">
               <a:rPr lang="en-GB" smtClean="0"/>
-              <a:t>09/05/2025</a:t>
+              <a:t>14/08/2025</a:t>
             </a:fld>
             <a:endParaRPr lang="en-GB"/>
           </a:p>
@@ -1130,7 +1130,7 @@
           <a:p>
             <a:fld id="{68BD01A5-178E-42BA-8DE3-1E83FF417D73}" type="datetimeFigureOut">
               <a:rPr lang="en-GB" smtClean="0"/>
-              <a:t>09/05/2025</a:t>
+              <a:t>14/08/2025</a:t>
             </a:fld>
             <a:endParaRPr lang="en-GB"/>
           </a:p>
@@ -1330,7 +1330,7 @@
           <a:p>
             <a:fld id="{68BD01A5-178E-42BA-8DE3-1E83FF417D73}" type="datetimeFigureOut">
               <a:rPr lang="en-GB" smtClean="0"/>
-              <a:t>09/05/2025</a:t>
+              <a:t>14/08/2025</a:t>
             </a:fld>
             <a:endParaRPr lang="en-GB"/>
           </a:p>
@@ -1606,7 +1606,7 @@
           <a:p>
             <a:fld id="{68BD01A5-178E-42BA-8DE3-1E83FF417D73}" type="datetimeFigureOut">
               <a:rPr lang="en-GB" smtClean="0"/>
-              <a:t>09/05/2025</a:t>
+              <a:t>14/08/2025</a:t>
             </a:fld>
             <a:endParaRPr lang="en-GB"/>
           </a:p>
@@ -1874,7 +1874,7 @@
           <a:p>
             <a:fld id="{68BD01A5-178E-42BA-8DE3-1E83FF417D73}" type="datetimeFigureOut">
               <a:rPr lang="en-GB" smtClean="0"/>
-              <a:t>09/05/2025</a:t>
+              <a:t>14/08/2025</a:t>
             </a:fld>
             <a:endParaRPr lang="en-GB"/>
           </a:p>
@@ -2289,7 +2289,7 @@
           <a:p>
             <a:fld id="{68BD01A5-178E-42BA-8DE3-1E83FF417D73}" type="datetimeFigureOut">
               <a:rPr lang="en-GB" smtClean="0"/>
-              <a:t>09/05/2025</a:t>
+              <a:t>14/08/2025</a:t>
             </a:fld>
             <a:endParaRPr lang="en-GB"/>
           </a:p>
@@ -2431,7 +2431,7 @@
           <a:p>
             <a:fld id="{68BD01A5-178E-42BA-8DE3-1E83FF417D73}" type="datetimeFigureOut">
               <a:rPr lang="en-GB" smtClean="0"/>
-              <a:t>09/05/2025</a:t>
+              <a:t>14/08/2025</a:t>
             </a:fld>
             <a:endParaRPr lang="en-GB"/>
           </a:p>
@@ -2544,7 +2544,7 @@
           <a:p>
             <a:fld id="{68BD01A5-178E-42BA-8DE3-1E83FF417D73}" type="datetimeFigureOut">
               <a:rPr lang="en-GB" smtClean="0"/>
-              <a:t>09/05/2025</a:t>
+              <a:t>14/08/2025</a:t>
             </a:fld>
             <a:endParaRPr lang="en-GB"/>
           </a:p>
@@ -2857,7 +2857,7 @@
           <a:p>
             <a:fld id="{68BD01A5-178E-42BA-8DE3-1E83FF417D73}" type="datetimeFigureOut">
               <a:rPr lang="en-GB" smtClean="0"/>
-              <a:t>09/05/2025</a:t>
+              <a:t>14/08/2025</a:t>
             </a:fld>
             <a:endParaRPr lang="en-GB"/>
           </a:p>
@@ -3146,7 +3146,7 @@
           <a:p>
             <a:fld id="{68BD01A5-178E-42BA-8DE3-1E83FF417D73}" type="datetimeFigureOut">
               <a:rPr lang="en-GB" smtClean="0"/>
-              <a:t>09/05/2025</a:t>
+              <a:t>14/08/2025</a:t>
             </a:fld>
             <a:endParaRPr lang="en-GB"/>
           </a:p>
@@ -3389,7 +3389,7 @@
           <a:p>
             <a:fld id="{68BD01A5-178E-42BA-8DE3-1E83FF417D73}" type="datetimeFigureOut">
               <a:rPr lang="en-GB" smtClean="0"/>
-              <a:t>09/05/2025</a:t>
+              <a:t>14/08/2025</a:t>
             </a:fld>
             <a:endParaRPr lang="en-GB"/>
           </a:p>
@@ -4104,7 +4104,7 @@
                 <a:ea typeface="Times New Roman" panose="02020603050405020304" pitchFamily="18" charset="0"/>
                 <a:cs typeface="Arial" panose="020B0604020202020204" pitchFamily="34" charset="0"/>
               </a:rPr>
-              <a:t>~80% of the variance</a:t>
+              <a:t>~80%  of the variance</a:t>
             </a:r>
             <a:endParaRPr lang="en-GB" sz="2000" b="1" dirty="0">
               <a:solidFill>
@@ -4358,24 +4358,22 @@
                 <a:solidFill>
                   <a:srgbClr val="000000"/>
                 </a:solidFill>
-                <a:effectLst/>
-                <a:latin typeface="Arial" panose="020B0604020202020204" pitchFamily="34" charset="0"/>
-                <a:ea typeface="Times New Roman" panose="02020603050405020304" pitchFamily="18" charset="0"/>
-                <a:cs typeface="Arial" panose="020B0604020202020204" pitchFamily="34" charset="0"/>
-              </a:rPr>
-              <a:t>Apply </a:t>
+                <a:latin typeface="Arial" panose="020B0604020202020204" pitchFamily="34" charset="0"/>
+                <a:ea typeface="Times New Roman" panose="02020603050405020304" pitchFamily="18" charset="0"/>
+                <a:cs typeface="Arial" panose="020B0604020202020204" pitchFamily="34" charset="0"/>
+              </a:rPr>
+              <a:t>Tune </a:t>
             </a:r>
             <a:r>
               <a:rPr lang="en-GB" sz="2000" b="1" dirty="0">
                 <a:solidFill>
                   <a:srgbClr val="000000"/>
                 </a:solidFill>
-                <a:effectLst/>
-                <a:latin typeface="Arial" panose="020B0604020202020204" pitchFamily="34" charset="0"/>
-                <a:ea typeface="Times New Roman" panose="02020603050405020304" pitchFamily="18" charset="0"/>
-                <a:cs typeface="Arial" panose="020B0604020202020204" pitchFamily="34" charset="0"/>
-              </a:rPr>
-              <a:t>GMM</a:t>
+                <a:latin typeface="Arial" panose="020B0604020202020204" pitchFamily="34" charset="0"/>
+                <a:ea typeface="Times New Roman" panose="02020603050405020304" pitchFamily="18" charset="0"/>
+                <a:cs typeface="Arial" panose="020B0604020202020204" pitchFamily="34" charset="0"/>
+              </a:rPr>
+              <a:t>k</a:t>
             </a:r>
             <a:r>
               <a:rPr lang="en-GB" sz="2000" dirty="0">
@@ -4387,31 +4385,7 @@
                 <a:ea typeface="Times New Roman" panose="02020603050405020304" pitchFamily="18" charset="0"/>
                 <a:cs typeface="Arial" panose="020B0604020202020204" pitchFamily="34" charset="0"/>
               </a:rPr>
-              <a:t> on </a:t>
-            </a:r>
-            <a:r>
-              <a:rPr lang="en-GB" sz="2000" b="1" dirty="0">
-                <a:solidFill>
-                  <a:srgbClr val="000000"/>
-                </a:solidFill>
-                <a:effectLst/>
-                <a:latin typeface="Arial" panose="020B0604020202020204" pitchFamily="34" charset="0"/>
-                <a:ea typeface="Times New Roman" panose="02020603050405020304" pitchFamily="18" charset="0"/>
-                <a:cs typeface="Arial" panose="020B0604020202020204" pitchFamily="34" charset="0"/>
-              </a:rPr>
-              <a:t>PCA-transformed</a:t>
-            </a:r>
-            <a:r>
-              <a:rPr lang="en-GB" sz="2000" dirty="0">
-                <a:solidFill>
-                  <a:srgbClr val="000000"/>
-                </a:solidFill>
-                <a:effectLst/>
-                <a:latin typeface="Arial" panose="020B0604020202020204" pitchFamily="34" charset="0"/>
-                <a:ea typeface="Times New Roman" panose="02020603050405020304" pitchFamily="18" charset="0"/>
-                <a:cs typeface="Arial" panose="020B0604020202020204" pitchFamily="34" charset="0"/>
-              </a:rPr>
-              <a:t> data.</a:t>
+              <a:t>.</a:t>
             </a:r>
             <a:endParaRPr lang="en-GB" sz="2000" dirty="0">
               <a:effectLst/>
@@ -4587,19 +4561,23 @@
           </a:xfrm>
         </p:spPr>
         <p:txBody>
-          <a:bodyPr/>
+          <a:bodyPr>
+            <a:normAutofit fontScale="85000" lnSpcReduction="10000"/>
+          </a:bodyPr>
           <a:lstStyle/>
           <a:p>
-            <a:pPr algn="just" fontAlgn="base">
-              <a:spcBef>
-                <a:spcPts val="500"/>
-              </a:spcBef>
+            <a:pPr marL="342900" lvl="0" indent="-342900" algn="just" fontAlgn="base">
+              <a:lnSpc>
+                <a:spcPct val="107000"/>
+              </a:lnSpc>
               <a:spcAft>
                 <a:spcPts val="500"/>
               </a:spcAft>
+              <a:buFont typeface="Symbol" panose="05050102010706020507" pitchFamily="18" charset="2"/>
+              <a:buChar char=""/>
             </a:pPr>
             <a:r>
-              <a:rPr lang="en-GB" sz="2000" b="1" dirty="0">
+              <a:rPr lang="en-GB" sz="2000" b="1" kern="0" dirty="0">
                 <a:solidFill>
                   <a:srgbClr val="000000"/>
                 </a:solidFill>
@@ -4608,10 +4586,10 @@
                 <a:ea typeface="Times New Roman" panose="02020603050405020304" pitchFamily="18" charset="0"/>
                 <a:cs typeface="Arial" panose="020B0604020202020204" pitchFamily="34" charset="0"/>
               </a:rPr>
-              <a:t>K-Means </a:t>
-            </a:r>
-            <a:r>
-              <a:rPr lang="en-GB" sz="2000" dirty="0">
+              <a:t>K-Means: </a:t>
+            </a:r>
+            <a:r>
+              <a:rPr lang="en-GB" sz="2000" kern="0" dirty="0">
                 <a:solidFill>
                   <a:srgbClr val="000000"/>
                 </a:solidFill>
@@ -4620,32 +4598,14 @@
                 <a:ea typeface="Times New Roman" panose="02020603050405020304" pitchFamily="18" charset="0"/>
                 <a:cs typeface="Arial" panose="020B0604020202020204" pitchFamily="34" charset="0"/>
               </a:rPr>
-              <a:t>imposed 4 clusters, but there are 7 true expressions.</a:t>
-            </a:r>
-            <a:r>
-              <a:rPr lang="en-GB" sz="2000" b="1" dirty="0">
-                <a:solidFill>
-                  <a:srgbClr val="000000"/>
-                </a:solidFill>
-                <a:effectLst/>
-                <a:latin typeface="Arial" panose="020B0604020202020204" pitchFamily="34" charset="0"/>
-                <a:ea typeface="Times New Roman" panose="02020603050405020304" pitchFamily="18" charset="0"/>
-                <a:cs typeface="Arial" panose="020B0604020202020204" pitchFamily="34" charset="0"/>
-              </a:rPr>
-              <a:t> </a:t>
-            </a:r>
-            <a:r>
-              <a:rPr lang="en-GB" sz="2000" dirty="0">
-                <a:solidFill>
-                  <a:srgbClr val="000000"/>
-                </a:solidFill>
-                <a:effectLst/>
-                <a:latin typeface="Arial" panose="020B0604020202020204" pitchFamily="34" charset="0"/>
-                <a:ea typeface="Times New Roman" panose="02020603050405020304" pitchFamily="18" charset="0"/>
-                <a:cs typeface="Arial" panose="020B0604020202020204" pitchFamily="34" charset="0"/>
-              </a:rPr>
-              <a:t>Average silhouette ~0.31 suggests moderate separation.</a:t>
-            </a:r>
+              <a:t>With a silhouette score of ~0.34, K-Means achieved slightly better moderate separation than the other models. Its ARI of ~0.08 suggests a weak alignment with true classes.</a:t>
+            </a:r>
+            <a:endParaRPr lang="en-GB" sz="2000" kern="100" dirty="0">
+              <a:effectLst/>
+              <a:latin typeface="Arial" panose="020B0604020202020204" pitchFamily="34" charset="0"/>
+              <a:ea typeface="Calibri" panose="020F0502020204030204" pitchFamily="34" charset="0"/>
+              <a:cs typeface="Arial" panose="020B0604020202020204" pitchFamily="34" charset="0"/>
+            </a:endParaRPr>
           </a:p>
           <a:p>
             <a:pPr algn="just" fontAlgn="base">
@@ -4664,16 +4624,18 @@
             </a:endParaRPr>
           </a:p>
           <a:p>
-            <a:pPr algn="just" fontAlgn="base">
-              <a:spcBef>
-                <a:spcPts val="500"/>
-              </a:spcBef>
+            <a:pPr marL="342900" lvl="0" indent="-342900" algn="just" fontAlgn="base">
+              <a:lnSpc>
+                <a:spcPct val="107000"/>
+              </a:lnSpc>
               <a:spcAft>
                 <a:spcPts val="500"/>
               </a:spcAft>
+              <a:buFont typeface="Symbol" panose="05050102010706020507" pitchFamily="18" charset="2"/>
+              <a:buChar char=""/>
             </a:pPr>
             <a:r>
-              <a:rPr lang="en-GB" sz="2000" b="1" dirty="0">
+              <a:rPr lang="en-GB" sz="2100" b="1" kern="0" dirty="0">
                 <a:solidFill>
                   <a:srgbClr val="000000"/>
                 </a:solidFill>
@@ -4682,10 +4644,10 @@
                 <a:ea typeface="Times New Roman" panose="02020603050405020304" pitchFamily="18" charset="0"/>
                 <a:cs typeface="Arial" panose="020B0604020202020204" pitchFamily="34" charset="0"/>
               </a:rPr>
-              <a:t>GMM </a:t>
-            </a:r>
-            <a:r>
-              <a:rPr lang="en-US" sz="2000" dirty="0">
+              <a:t>GMM: </a:t>
+            </a:r>
+            <a:r>
+              <a:rPr lang="en-GB" sz="2100" kern="0" dirty="0">
                 <a:solidFill>
                   <a:srgbClr val="000000"/>
                 </a:solidFill>
@@ -4694,20 +4656,14 @@
                 <a:ea typeface="Times New Roman" panose="02020603050405020304" pitchFamily="18" charset="0"/>
                 <a:cs typeface="Arial" panose="020B0604020202020204" pitchFamily="34" charset="0"/>
               </a:rPr>
-              <a:t>c</a:t>
-            </a:r>
-            <a:r>
-              <a:rPr lang="en-GB" sz="2000" dirty="0">
-                <a:solidFill>
-                  <a:srgbClr val="000000"/>
-                </a:solidFill>
-                <a:effectLst/>
-                <a:latin typeface="Arial" panose="020B0604020202020204" pitchFamily="34" charset="0"/>
-                <a:ea typeface="Times New Roman" panose="02020603050405020304" pitchFamily="18" charset="0"/>
-                <a:cs typeface="Arial" panose="020B0604020202020204" pitchFamily="34" charset="0"/>
-              </a:rPr>
-              <a:t>hose 9 clusters on its own, more than actual expressions. Two clusters had very high silhouette (&gt; 0.6), indicating strong internal cohesion. One had a negative average silhouette, a warning sign.</a:t>
-            </a:r>
+              <a:t>GMM's silhouette score of ~0.32 indicates a level of moderate separation nearly identical to K-Means. Its ARI of ~0.07 similarly confirms a weak correspondence with the true classes.</a:t>
+            </a:r>
+            <a:endParaRPr lang="en-GB" sz="2100" kern="100" dirty="0">
+              <a:effectLst/>
+              <a:latin typeface="Arial" panose="020B0604020202020204" pitchFamily="34" charset="0"/>
+              <a:ea typeface="Calibri" panose="020F0502020204030204" pitchFamily="34" charset="0"/>
+              <a:cs typeface="Arial" panose="020B0604020202020204" pitchFamily="34" charset="0"/>
+            </a:endParaRPr>
           </a:p>
           <a:p>
             <a:pPr algn="just" fontAlgn="base">
@@ -4726,16 +4682,18 @@
             </a:endParaRPr>
           </a:p>
           <a:p>
-            <a:pPr algn="just" fontAlgn="base">
-              <a:spcBef>
-                <a:spcPts val="500"/>
-              </a:spcBef>
+            <a:pPr marL="342900" lvl="0" indent="-342900" algn="just" fontAlgn="base">
+              <a:lnSpc>
+                <a:spcPct val="107000"/>
+              </a:lnSpc>
               <a:spcAft>
                 <a:spcPts val="500"/>
               </a:spcAft>
+              <a:buFont typeface="Symbol" panose="05050102010706020507" pitchFamily="18" charset="2"/>
+              <a:buChar char=""/>
             </a:pPr>
             <a:r>
-              <a:rPr lang="en-GB" sz="2000" b="1" dirty="0">
+              <a:rPr lang="en-GB" sz="2000" b="1" kern="0" dirty="0">
                 <a:solidFill>
                   <a:srgbClr val="000000"/>
                 </a:solidFill>
@@ -4744,10 +4702,10 @@
                 <a:ea typeface="Times New Roman" panose="02020603050405020304" pitchFamily="18" charset="0"/>
                 <a:cs typeface="Arial" panose="020B0604020202020204" pitchFamily="34" charset="0"/>
               </a:rPr>
-              <a:t>DBSCAN </a:t>
-            </a:r>
-            <a:r>
-              <a:rPr lang="en-GB" sz="2000" dirty="0">
+              <a:t>DBSCAN: </a:t>
+            </a:r>
+            <a:r>
+              <a:rPr lang="en-GB" sz="2000" kern="0" dirty="0">
                 <a:solidFill>
                   <a:srgbClr val="000000"/>
                 </a:solidFill>
@@ -4756,56 +4714,14 @@
                 <a:ea typeface="Times New Roman" panose="02020603050405020304" pitchFamily="18" charset="0"/>
                 <a:cs typeface="Arial" panose="020B0604020202020204" pitchFamily="34" charset="0"/>
               </a:rPr>
-              <a:t>detected some very cohesive, small groups (silhouette ~0.7).</a:t>
-            </a:r>
-            <a:r>
-              <a:rPr lang="en-GB" sz="2000" b="1" dirty="0">
-                <a:solidFill>
-                  <a:srgbClr val="000000"/>
-                </a:solidFill>
-                <a:effectLst/>
-                <a:latin typeface="Arial" panose="020B0604020202020204" pitchFamily="34" charset="0"/>
-                <a:ea typeface="Times New Roman" panose="02020603050405020304" pitchFamily="18" charset="0"/>
-                <a:cs typeface="Arial" panose="020B0604020202020204" pitchFamily="34" charset="0"/>
-              </a:rPr>
-              <a:t> </a:t>
-            </a:r>
-            <a:r>
-              <a:rPr lang="en-GB" sz="2000" dirty="0">
-                <a:solidFill>
-                  <a:srgbClr val="000000"/>
-                </a:solidFill>
-                <a:effectLst/>
-                <a:latin typeface="Arial" panose="020B0604020202020204" pitchFamily="34" charset="0"/>
-                <a:ea typeface="Times New Roman" panose="02020603050405020304" pitchFamily="18" charset="0"/>
-                <a:cs typeface="Arial" panose="020B0604020202020204" pitchFamily="34" charset="0"/>
-              </a:rPr>
-              <a:t>46 instances were labelled as noise</a:t>
-            </a:r>
-            <a:r>
-              <a:rPr lang="en-US" sz="2000" dirty="0">
-                <a:solidFill>
-                  <a:srgbClr val="000000"/>
-                </a:solidFill>
-                <a:effectLst/>
-                <a:latin typeface="Arial" panose="020B0604020202020204" pitchFamily="34" charset="0"/>
-                <a:ea typeface="Times New Roman" panose="02020603050405020304" pitchFamily="18" charset="0"/>
-                <a:cs typeface="Arial" panose="020B0604020202020204" pitchFamily="34" charset="0"/>
-              </a:rPr>
-              <a:t>, </a:t>
-            </a:r>
-            <a:r>
-              <a:rPr lang="en-GB" sz="2000" dirty="0">
-                <a:solidFill>
-                  <a:srgbClr val="000000"/>
-                </a:solidFill>
-                <a:effectLst/>
-                <a:latin typeface="Arial" panose="020B0604020202020204" pitchFamily="34" charset="0"/>
-                <a:ea typeface="Times New Roman" panose="02020603050405020304" pitchFamily="18" charset="0"/>
-                <a:cs typeface="Arial" panose="020B0604020202020204" pitchFamily="34" charset="0"/>
-              </a:rPr>
-              <a:t>nearly 22% of the data.</a:t>
-            </a:r>
+              <a:t>DBSCAN performed the worst with the lowest silhouette score (~0.23), indicating the poorest separation. Its minimal ARI of ~0.02 shows it had the most difficulty aligning with the true classes.</a:t>
+            </a:r>
+            <a:endParaRPr lang="en-GB" sz="2000" kern="100" dirty="0">
+              <a:effectLst/>
+              <a:latin typeface="Arial" panose="020B0604020202020204" pitchFamily="34" charset="0"/>
+              <a:ea typeface="Calibri" panose="020F0502020204030204" pitchFamily="34" charset="0"/>
+              <a:cs typeface="Arial" panose="020B0604020202020204" pitchFamily="34" charset="0"/>
+            </a:endParaRPr>
           </a:p>
           <a:p>
             <a:pPr algn="just" fontAlgn="base">
@@ -4822,8 +4738,21 @@
             </a:endParaRPr>
           </a:p>
           <a:p>
-            <a:r>
-              <a:rPr lang="en-GB" sz="2000" dirty="0">
+            <a:pPr marL="342900" lvl="0" indent="-342900" algn="just" fontAlgn="base">
+              <a:lnSpc>
+                <a:spcPct val="107000"/>
+              </a:lnSpc>
+              <a:spcAft>
+                <a:spcPts val="800"/>
+              </a:spcAft>
+              <a:buFont typeface="Symbol" panose="05050102010706020507" pitchFamily="18" charset="2"/>
+              <a:buChar char=""/>
+              <a:tabLst>
+                <a:tab pos="540385" algn="l"/>
+              </a:tabLst>
+            </a:pPr>
+            <a:r>
+              <a:rPr lang="en-GB" sz="2200" kern="0" dirty="0">
                 <a:solidFill>
                   <a:srgbClr val="000000"/>
                 </a:solidFill>
@@ -4834,18 +4763,12 @@
               </a:rPr>
               <a:t>Clustering algorithms struggle to distinguish facial expressions due to overlapping feature patterns and subtle differences between emotions, leading to mixed cluster compositions. This suggests unsupervised methods alone are insufficient for clearly separating all seven expressions.</a:t>
             </a:r>
-            <a:endParaRPr lang="en-GB" sz="2000" dirty="0">
+            <a:endParaRPr lang="en-GB" sz="2200" kern="100" dirty="0">
               <a:effectLst/>
               <a:latin typeface="Arial" panose="020B0604020202020204" pitchFamily="34" charset="0"/>
-              <a:ea typeface="Times New Roman" panose="02020603050405020304" pitchFamily="18" charset="0"/>
+              <a:ea typeface="Calibri" panose="020F0502020204030204" pitchFamily="34" charset="0"/>
               <a:cs typeface="Arial" panose="020B0604020202020204" pitchFamily="34" charset="0"/>
             </a:endParaRPr>
-          </a:p>
-          <a:p>
-            <a:pPr marL="0" indent="0">
-              <a:buNone/>
-            </a:pPr>
-            <a:endParaRPr lang="en-GB" dirty="0"/>
           </a:p>
         </p:txBody>
       </p:sp>
@@ -5729,48 +5652,13 @@
                 <a:latin typeface="Arial" panose="020B0604020202020204" pitchFamily="34" charset="0"/>
                 <a:ea typeface="Times New Roman" panose="02020603050405020304" pitchFamily="18" charset="0"/>
               </a:rPr>
-              <a:t>alues </a:t>
-            </a:r>
-            <a:r>
-              <a:rPr lang="en-GB" sz="2000" dirty="0">
-                <a:effectLst/>
-                <a:latin typeface="Arial" panose="020B0604020202020204" pitchFamily="34" charset="0"/>
-                <a:ea typeface="Times New Roman" panose="02020603050405020304" pitchFamily="18" charset="0"/>
-              </a:rPr>
-              <a:t>and</a:t>
-            </a:r>
-            <a:r>
-              <a:rPr lang="en-GB" sz="2000" b="1" dirty="0">
-                <a:effectLst/>
-                <a:latin typeface="Arial" panose="020B0604020202020204" pitchFamily="34" charset="0"/>
-                <a:ea typeface="Times New Roman" panose="02020603050405020304" pitchFamily="18" charset="0"/>
-              </a:rPr>
-              <a:t> </a:t>
-            </a:r>
-            <a:r>
-              <a:rPr lang="en-GB" sz="2000" dirty="0">
-                <a:effectLst/>
-                <a:latin typeface="Arial" panose="020B0604020202020204" pitchFamily="34" charset="0"/>
-                <a:ea typeface="Times New Roman" panose="02020603050405020304" pitchFamily="18" charset="0"/>
-              </a:rPr>
-              <a:t>cap </a:t>
-            </a:r>
-            <a:r>
-              <a:rPr lang="en-GB" sz="2000" b="1" dirty="0">
-                <a:effectLst/>
-                <a:latin typeface="Arial" panose="020B0604020202020204" pitchFamily="34" charset="0"/>
-                <a:ea typeface="Times New Roman" panose="02020603050405020304" pitchFamily="18" charset="0"/>
-              </a:rPr>
-              <a:t>Outliers</a:t>
-            </a:r>
-            <a:r>
-              <a:rPr lang="en-GB" sz="2000" dirty="0">
-                <a:effectLst/>
-                <a:latin typeface="Arial" panose="020B0604020202020204" pitchFamily="34" charset="0"/>
-                <a:ea typeface="Times New Roman" panose="02020603050405020304" pitchFamily="18" charset="0"/>
-              </a:rPr>
-              <a:t> </a:t>
-            </a:r>
+              <a:t>alues</a:t>
+            </a:r>
+            <a:endParaRPr lang="en-GB" sz="2000" dirty="0">
+              <a:effectLst/>
+              <a:latin typeface="Arial" panose="020B0604020202020204" pitchFamily="34" charset="0"/>
+              <a:ea typeface="Times New Roman" panose="02020603050405020304" pitchFamily="18" charset="0"/>
+            </a:endParaRPr>
           </a:p>
           <a:p>
             <a:pPr indent="0" algn="just" fontAlgn="base">
@@ -5803,14 +5691,47 @@
                 <a:latin typeface="Arial" panose="020B0604020202020204" pitchFamily="34" charset="0"/>
                 <a:ea typeface="Times New Roman" panose="02020603050405020304" pitchFamily="18" charset="0"/>
               </a:rPr>
-              <a:t>3.  </a:t>
+              <a:t>3. Stratified train-test split (80%-20%)</a:t>
             </a:r>
             <a:r>
               <a:rPr lang="en-GB" sz="2000" dirty="0">
                 <a:latin typeface="Arial" panose="020B0604020202020204" pitchFamily="34" charset="0"/>
                 <a:ea typeface="Times New Roman" panose="02020603050405020304" pitchFamily="18" charset="0"/>
               </a:rPr>
-              <a:t>Create </a:t>
+              <a:t> to maintain expression class distribution</a:t>
+            </a:r>
+          </a:p>
+          <a:p>
+            <a:pPr indent="0" algn="just" fontAlgn="base">
+              <a:spcBef>
+                <a:spcPts val="500"/>
+              </a:spcBef>
+              <a:spcAft>
+                <a:spcPts val="500"/>
+              </a:spcAft>
+              <a:buNone/>
+            </a:pPr>
+            <a:endParaRPr lang="en-GB" sz="2000" dirty="0">
+              <a:latin typeface="Arial" panose="020B0604020202020204" pitchFamily="34" charset="0"/>
+              <a:ea typeface="Times New Roman" panose="02020603050405020304" pitchFamily="18" charset="0"/>
+            </a:endParaRPr>
+          </a:p>
+          <a:p>
+            <a:pPr indent="0" algn="just" fontAlgn="base">
+              <a:spcBef>
+                <a:spcPts val="500"/>
+              </a:spcBef>
+              <a:spcAft>
+                <a:spcPts val="500"/>
+              </a:spcAft>
+              <a:buNone/>
+            </a:pPr>
+            <a:r>
+              <a:rPr lang="en-GB" sz="2000" dirty="0">
+                <a:latin typeface="Arial" panose="020B0604020202020204" pitchFamily="34" charset="0"/>
+                <a:ea typeface="Times New Roman" panose="02020603050405020304" pitchFamily="18" charset="0"/>
+              </a:rPr>
+              <a:t>4. Create </a:t>
             </a:r>
             <a:r>
               <a:rPr lang="en-GB" sz="2000" b="1" dirty="0">
@@ -5821,12 +5742,37 @@
             </a:r>
             <a:r>
               <a:rPr lang="en-GB" sz="2000" dirty="0">
-                <a:effectLst/>
                 <a:latin typeface="Arial" panose="020B0604020202020204" pitchFamily="34" charset="0"/>
                 <a:ea typeface="Times New Roman" panose="02020603050405020304" pitchFamily="18" charset="0"/>
               </a:rPr>
               <a:t>for feature groups</a:t>
             </a:r>
+          </a:p>
+          <a:p>
+            <a:pPr indent="0" algn="just" fontAlgn="base">
+              <a:spcBef>
+                <a:spcPts val="500"/>
+              </a:spcBef>
+              <a:spcAft>
+                <a:spcPts val="500"/>
+              </a:spcAft>
+              <a:buNone/>
+            </a:pPr>
+            <a:endParaRPr lang="en-GB" sz="2000" dirty="0">
+              <a:latin typeface="Arial" panose="020B0604020202020204" pitchFamily="34" charset="0"/>
+              <a:ea typeface="Times New Roman" panose="02020603050405020304" pitchFamily="18" charset="0"/>
+            </a:endParaRPr>
+          </a:p>
+          <a:p>
+            <a:pPr indent="0" algn="just" fontAlgn="base">
+              <a:spcBef>
+                <a:spcPts val="500"/>
+              </a:spcBef>
+              <a:spcAft>
+                <a:spcPts val="500"/>
+              </a:spcAft>
+              <a:buNone/>
+            </a:pPr>
             <a:endParaRPr lang="en-GB" sz="2000" dirty="0">
               <a:latin typeface="Arial" panose="020B0604020202020204" pitchFamily="34" charset="0"/>
               <a:ea typeface="Times New Roman" panose="02020603050405020304" pitchFamily="18" charset="0"/>
@@ -5837,10 +5783,10 @@
       </p:sp>
       <p:pic>
         <p:nvPicPr>
-          <p:cNvPr id="5" name="Picture 4">
+          <p:cNvPr id="2" name="Picture 1">
             <a:extLst>
               <a:ext uri="{FF2B5EF4-FFF2-40B4-BE49-F238E27FC236}">
-                <a16:creationId xmlns:a16="http://schemas.microsoft.com/office/drawing/2014/main" id="{8C3A647B-41C9-B6EB-7A0C-C29A8F5D5050}"/>
+                <a16:creationId xmlns:a16="http://schemas.microsoft.com/office/drawing/2014/main" id="{93EF7FED-C226-2588-567F-46FA3840952B}"/>
               </a:ext>
             </a:extLst>
           </p:cNvPr>
@@ -5864,8 +5810,8 @@
         </p:blipFill>
         <p:spPr bwMode="auto">
           <a:xfrm>
-            <a:off x="838200" y="1637751"/>
-            <a:ext cx="10515600" cy="4539212"/>
+            <a:off x="838200" y="2549645"/>
+            <a:ext cx="7285355" cy="3759715"/>
           </a:xfrm>
           <a:prstGeom prst="rect">
             <a:avLst/>
@@ -5989,10 +5935,10 @@
       </p:sp>
       <p:pic>
         <p:nvPicPr>
-          <p:cNvPr id="4" name="Picture 3">
+          <p:cNvPr id="2" name="Picture 1">
             <a:extLst>
               <a:ext uri="{FF2B5EF4-FFF2-40B4-BE49-F238E27FC236}">
-                <a16:creationId xmlns:a16="http://schemas.microsoft.com/office/drawing/2014/main" id="{D2515B07-A5BC-763D-43D6-795FA26A6DDE}"/>
+                <a16:creationId xmlns:a16="http://schemas.microsoft.com/office/drawing/2014/main" id="{45891E8D-E7BB-6D1A-17A4-F0DAE391ECD1}"/>
               </a:ext>
             </a:extLst>
           </p:cNvPr>
@@ -6016,8 +5962,8 @@
         </p:blipFill>
         <p:spPr bwMode="auto">
           <a:xfrm>
-            <a:off x="838200" y="1023798"/>
-            <a:ext cx="10050194" cy="5187089"/>
+            <a:off x="572728" y="1122196"/>
+            <a:ext cx="9860569" cy="5088691"/>
           </a:xfrm>
           <a:prstGeom prst="rect">
             <a:avLst/>
@@ -6143,39 +6089,56 @@
                 <a:latin typeface="Arial" panose="020B0604020202020204" pitchFamily="34" charset="0"/>
                 <a:ea typeface="Times New Roman" panose="02020603050405020304" pitchFamily="18" charset="0"/>
               </a:rPr>
-              <a:t>1.  </a:t>
+              <a:t>1. </a:t>
             </a:r>
             <a:r>
               <a:rPr lang="en-GB" sz="2000" dirty="0">
-                <a:effectLst/>
-                <a:latin typeface="Arial" panose="020B0604020202020204" pitchFamily="34" charset="0"/>
-                <a:ea typeface="Times New Roman" panose="02020603050405020304" pitchFamily="18" charset="0"/>
-              </a:rPr>
-              <a:t>Compute the </a:t>
+                <a:latin typeface="Arial" panose="020B0604020202020204" pitchFamily="34" charset="0"/>
+                <a:ea typeface="Times New Roman" panose="02020603050405020304" pitchFamily="18" charset="0"/>
+              </a:rPr>
+              <a:t>Perform </a:t>
             </a:r>
             <a:r>
               <a:rPr lang="en-GB" sz="2000" b="1" dirty="0">
-                <a:effectLst/>
-                <a:latin typeface="Arial" panose="020B0604020202020204" pitchFamily="34" charset="0"/>
-                <a:ea typeface="Times New Roman" panose="02020603050405020304" pitchFamily="18" charset="0"/>
-              </a:rPr>
-              <a:t>correlation matrix</a:t>
+                <a:latin typeface="Arial" panose="020B0604020202020204" pitchFamily="34" charset="0"/>
+                <a:ea typeface="Times New Roman" panose="02020603050405020304" pitchFamily="18" charset="0"/>
+              </a:rPr>
+              <a:t>ANOVA</a:t>
             </a:r>
             <a:r>
               <a:rPr lang="en-GB" sz="2000" dirty="0">
-                <a:effectLst/>
-                <a:latin typeface="Arial" panose="020B0604020202020204" pitchFamily="34" charset="0"/>
-                <a:ea typeface="Times New Roman" panose="02020603050405020304" pitchFamily="18" charset="0"/>
-              </a:rPr>
-              <a:t> to identify highly correlated features and select to remove features with </a:t>
+                <a:latin typeface="Arial" panose="020B0604020202020204" pitchFamily="34" charset="0"/>
+                <a:ea typeface="Times New Roman" panose="02020603050405020304" pitchFamily="18" charset="0"/>
+              </a:rPr>
+              <a:t> to determine which features significantly vary across different expressions</a:t>
             </a:r>
             <a:r>
               <a:rPr lang="en-GB" sz="2000" b="1" dirty="0">
-                <a:effectLst/>
-                <a:latin typeface="Arial" panose="020B0604020202020204" pitchFamily="34" charset="0"/>
-                <a:ea typeface="Times New Roman" panose="02020603050405020304" pitchFamily="18" charset="0"/>
-              </a:rPr>
-              <a:t>correlation &gt; 0.9</a:t>
+                <a:latin typeface="Arial" panose="020B0604020202020204" pitchFamily="34" charset="0"/>
+                <a:ea typeface="Times New Roman" panose="02020603050405020304" pitchFamily="18" charset="0"/>
+              </a:rPr>
+              <a:t> </a:t>
+            </a:r>
+            <a:r>
+              <a:rPr lang="en-GB" sz="2000" dirty="0">
+                <a:latin typeface="Arial" panose="020B0604020202020204" pitchFamily="34" charset="0"/>
+                <a:ea typeface="Times New Roman" panose="02020603050405020304" pitchFamily="18" charset="0"/>
+              </a:rPr>
+              <a:t>and select features with a </a:t>
+            </a:r>
+            <a:r>
+              <a:rPr lang="en-GB" sz="2000" b="1" dirty="0">
+                <a:latin typeface="Arial" panose="020B0604020202020204" pitchFamily="34" charset="0"/>
+                <a:ea typeface="Times New Roman" panose="02020603050405020304" pitchFamily="18" charset="0"/>
+              </a:rPr>
+              <a:t>p-value &lt; 0.05</a:t>
+            </a:r>
+            <a:r>
+              <a:rPr lang="en-GB" sz="2000" dirty="0">
+                <a:latin typeface="Arial" panose="020B0604020202020204" pitchFamily="34" charset="0"/>
+                <a:ea typeface="Times New Roman" panose="02020603050405020304" pitchFamily="18" charset="0"/>
+              </a:rPr>
+              <a:t> </a:t>
             </a:r>
           </a:p>
           <a:p>
@@ -6197,63 +6160,35 @@
                 <a:latin typeface="Arial" panose="020B0604020202020204" pitchFamily="34" charset="0"/>
                 <a:ea typeface="Times New Roman" panose="02020603050405020304" pitchFamily="18" charset="0"/>
               </a:rPr>
-              <a:t>2.  </a:t>
+              <a:t>2. </a:t>
             </a:r>
             <a:r>
               <a:rPr lang="en-GB" sz="2000" dirty="0">
-                <a:effectLst/>
-                <a:latin typeface="Arial" panose="020B0604020202020204" pitchFamily="34" charset="0"/>
-                <a:ea typeface="Times New Roman" panose="02020603050405020304" pitchFamily="18" charset="0"/>
-              </a:rPr>
-              <a:t>Perform </a:t>
+                <a:latin typeface="Arial" panose="020B0604020202020204" pitchFamily="34" charset="0"/>
+                <a:ea typeface="Times New Roman" panose="02020603050405020304" pitchFamily="18" charset="0"/>
+              </a:rPr>
+              <a:t>Compute the </a:t>
             </a:r>
             <a:r>
               <a:rPr lang="en-GB" sz="2000" b="1" dirty="0">
-                <a:effectLst/>
-                <a:latin typeface="Arial" panose="020B0604020202020204" pitchFamily="34" charset="0"/>
-                <a:ea typeface="Times New Roman" panose="02020603050405020304" pitchFamily="18" charset="0"/>
-              </a:rPr>
-              <a:t>ANOVA</a:t>
+                <a:latin typeface="Arial" panose="020B0604020202020204" pitchFamily="34" charset="0"/>
+                <a:ea typeface="Times New Roman" panose="02020603050405020304" pitchFamily="18" charset="0"/>
+              </a:rPr>
+              <a:t>correlation matrix</a:t>
             </a:r>
             <a:r>
               <a:rPr lang="en-GB" sz="2000" dirty="0">
-                <a:effectLst/>
-                <a:latin typeface="Arial" panose="020B0604020202020204" pitchFamily="34" charset="0"/>
-                <a:ea typeface="Times New Roman" panose="02020603050405020304" pitchFamily="18" charset="0"/>
-              </a:rPr>
-              <a:t> to determine which features significantly vary across different expressions</a:t>
+                <a:latin typeface="Arial" panose="020B0604020202020204" pitchFamily="34" charset="0"/>
+                <a:ea typeface="Times New Roman" panose="02020603050405020304" pitchFamily="18" charset="0"/>
+              </a:rPr>
+              <a:t> to identify highly correlated features and select to remove features with </a:t>
             </a:r>
             <a:r>
               <a:rPr lang="en-GB" sz="2000" b="1" dirty="0">
-                <a:effectLst/>
-                <a:latin typeface="Arial" panose="020B0604020202020204" pitchFamily="34" charset="0"/>
-                <a:ea typeface="Times New Roman" panose="02020603050405020304" pitchFamily="18" charset="0"/>
-              </a:rPr>
-              <a:t> </a:t>
-            </a:r>
-            <a:r>
-              <a:rPr lang="en-GB" sz="2000" dirty="0">
-                <a:effectLst/>
-                <a:latin typeface="Arial" panose="020B0604020202020204" pitchFamily="34" charset="0"/>
-                <a:ea typeface="Times New Roman" panose="02020603050405020304" pitchFamily="18" charset="0"/>
-              </a:rPr>
-              <a:t>and select features with a </a:t>
-            </a:r>
-            <a:r>
-              <a:rPr lang="en-GB" sz="2000" b="1" dirty="0">
-                <a:effectLst/>
-                <a:latin typeface="Arial" panose="020B0604020202020204" pitchFamily="34" charset="0"/>
-                <a:ea typeface="Times New Roman" panose="02020603050405020304" pitchFamily="18" charset="0"/>
-              </a:rPr>
-              <a:t>p-value &lt; 0.05</a:t>
-            </a:r>
-            <a:r>
-              <a:rPr lang="en-GB" sz="2000" dirty="0">
-                <a:effectLst/>
-                <a:latin typeface="Arial" panose="020B0604020202020204" pitchFamily="34" charset="0"/>
-                <a:ea typeface="Times New Roman" panose="02020603050405020304" pitchFamily="18" charset="0"/>
-              </a:rPr>
-              <a:t> </a:t>
+                <a:latin typeface="Arial" panose="020B0604020202020204" pitchFamily="34" charset="0"/>
+                <a:ea typeface="Times New Roman" panose="02020603050405020304" pitchFamily="18" charset="0"/>
+              </a:rPr>
+              <a:t>correlation &gt; 0.8</a:t>
             </a:r>
           </a:p>
           <a:p>
@@ -6302,7 +6237,7 @@
                 <a:ea typeface="Times New Roman" panose="02020603050405020304" pitchFamily="18" charset="0"/>
                 <a:cs typeface="Arial" panose="020B0604020202020204" pitchFamily="34" charset="0"/>
               </a:rPr>
-              <a:t>Correlation and ANOVA</a:t>
+              <a:t>ANOVA and Correlation</a:t>
             </a:r>
             <a:r>
               <a:rPr lang="en-GB" sz="2000" dirty="0">
@@ -6344,43 +6279,10 @@
               <a:buNone/>
             </a:pPr>
             <a:endParaRPr lang="en-GB" sz="1800" dirty="0">
-              <a:effectLst/>
               <a:latin typeface="Arial" panose="020B0604020202020204" pitchFamily="34" charset="0"/>
               <a:ea typeface="Times New Roman" panose="02020603050405020304" pitchFamily="18" charset="0"/>
               <a:cs typeface="Times New Roman" panose="02020603050405020304" pitchFamily="18" charset="0"/>
             </a:endParaRPr>
-          </a:p>
-          <a:p>
-            <a:pPr marL="0" indent="0">
-              <a:buNone/>
-            </a:pPr>
-            <a:endParaRPr lang="en-GB" sz="1800" dirty="0">
-              <a:effectLst/>
-              <a:latin typeface="Arial" panose="020B0604020202020204" pitchFamily="34" charset="0"/>
-              <a:ea typeface="Times New Roman" panose="02020603050405020304" pitchFamily="18" charset="0"/>
-              <a:cs typeface="Times New Roman" panose="02020603050405020304" pitchFamily="18" charset="0"/>
-            </a:endParaRPr>
-          </a:p>
-          <a:p>
-            <a:pPr marL="342900" indent="-342900">
-              <a:buAutoNum type="arabicPeriod" startAt="4"/>
-            </a:pPr>
-            <a:r>
-              <a:rPr lang="en-GB" sz="2000" b="1" dirty="0">
-                <a:effectLst/>
-                <a:latin typeface="Arial" panose="020B0604020202020204" pitchFamily="34" charset="0"/>
-                <a:ea typeface="Times New Roman" panose="02020603050405020304" pitchFamily="18" charset="0"/>
-              </a:rPr>
-              <a:t>Stratified train-test split (80%-20%)</a:t>
-            </a:r>
-            <a:r>
-              <a:rPr lang="en-GB" sz="2000" dirty="0">
-                <a:effectLst/>
-                <a:latin typeface="Arial" panose="020B0604020202020204" pitchFamily="34" charset="0"/>
-                <a:ea typeface="Times New Roman" panose="02020603050405020304" pitchFamily="18" charset="0"/>
-              </a:rPr>
-              <a:t> to maintain expression class distribution</a:t>
-            </a:r>
           </a:p>
           <a:p>
             <a:pPr marL="0" indent="0">
@@ -6401,12 +6303,23 @@
                 <a:solidFill>
                   <a:srgbClr val="000000"/>
                 </a:solidFill>
-                <a:effectLst/>
-                <a:latin typeface="Arial" panose="020B0604020202020204" pitchFamily="34" charset="0"/>
-                <a:ea typeface="Times New Roman" panose="02020603050405020304" pitchFamily="18" charset="0"/>
-                <a:cs typeface="Arial" panose="020B0604020202020204" pitchFamily="34" charset="0"/>
-              </a:rPr>
-              <a:t>5.  </a:t>
+                <a:latin typeface="Arial" panose="020B0604020202020204" pitchFamily="34" charset="0"/>
+                <a:ea typeface="Times New Roman" panose="02020603050405020304" pitchFamily="18" charset="0"/>
+                <a:cs typeface="Arial" panose="020B0604020202020204" pitchFamily="34" charset="0"/>
+              </a:rPr>
+              <a:t>4</a:t>
+            </a:r>
+            <a:r>
+              <a:rPr lang="en-GB" sz="2000" b="1" dirty="0">
+                <a:solidFill>
+                  <a:srgbClr val="000000"/>
+                </a:solidFill>
+                <a:effectLst/>
+                <a:latin typeface="Arial" panose="020B0604020202020204" pitchFamily="34" charset="0"/>
+                <a:ea typeface="Times New Roman" panose="02020603050405020304" pitchFamily="18" charset="0"/>
+                <a:cs typeface="Arial" panose="020B0604020202020204" pitchFamily="34" charset="0"/>
+              </a:rPr>
+              <a:t>.  </a:t>
             </a:r>
             <a:r>
               <a:rPr lang="en-GB" sz="2000" dirty="0">
@@ -6485,10 +6398,10 @@
       </p:sp>
       <p:pic>
         <p:nvPicPr>
-          <p:cNvPr id="6" name="Picture 5">
+          <p:cNvPr id="4" name="Picture 3">
             <a:extLst>
               <a:ext uri="{FF2B5EF4-FFF2-40B4-BE49-F238E27FC236}">
-                <a16:creationId xmlns:a16="http://schemas.microsoft.com/office/drawing/2014/main" id="{0455F815-762F-1284-0039-DF82D88432EC}"/>
+                <a16:creationId xmlns:a16="http://schemas.microsoft.com/office/drawing/2014/main" id="{9FCA7007-BF9A-BC4F-CA1A-A99F70C6F92A}"/>
               </a:ext>
             </a:extLst>
           </p:cNvPr>
@@ -6512,8 +6425,8 @@
         </p:blipFill>
         <p:spPr bwMode="auto">
           <a:xfrm>
-            <a:off x="838200" y="3879484"/>
-            <a:ext cx="8807952" cy="921093"/>
+            <a:off x="973634" y="3879484"/>
+            <a:ext cx="10244732" cy="1016982"/>
           </a:xfrm>
           <a:prstGeom prst="rect">
             <a:avLst/>
@@ -6872,110 +6785,74 @@
               <a:t>3.  Decision Tree (DT): </a:t>
             </a:r>
             <a:r>
-              <a:rPr lang="en-GB" sz="2000" dirty="0">
-                <a:solidFill>
-                  <a:srgbClr val="000000"/>
-                </a:solidFill>
-                <a:effectLst/>
-                <a:latin typeface="Arial" panose="020B0604020202020204" pitchFamily="34" charset="0"/>
-                <a:ea typeface="Times New Roman" panose="02020603050405020304" pitchFamily="18" charset="0"/>
-                <a:cs typeface="Arial" panose="020B0604020202020204" pitchFamily="34" charset="0"/>
-              </a:rPr>
-              <a:t>Optimize </a:t>
-            </a:r>
-            <a:r>
-              <a:rPr lang="en-GB" sz="2000" b="1" dirty="0">
-                <a:solidFill>
-                  <a:srgbClr val="000000"/>
-                </a:solidFill>
-                <a:effectLst/>
-                <a:latin typeface="Arial" panose="020B0604020202020204" pitchFamily="34" charset="0"/>
-                <a:ea typeface="Times New Roman" panose="02020603050405020304" pitchFamily="18" charset="0"/>
-                <a:cs typeface="Arial" panose="020B0604020202020204" pitchFamily="34" charset="0"/>
-              </a:rPr>
-              <a:t>complexity parameter (cp)</a:t>
-            </a:r>
-            <a:r>
-              <a:rPr lang="en-GB" sz="2000" dirty="0">
-                <a:solidFill>
-                  <a:srgbClr val="000000"/>
-                </a:solidFill>
-                <a:effectLst/>
-                <a:latin typeface="Arial" panose="020B0604020202020204" pitchFamily="34" charset="0"/>
-                <a:ea typeface="Times New Roman" panose="02020603050405020304" pitchFamily="18" charset="0"/>
-                <a:cs typeface="Arial" panose="020B0604020202020204" pitchFamily="34" charset="0"/>
+              <a:rPr lang="en-GB" sz="2000" kern="0" dirty="0">
+                <a:effectLst/>
+                <a:latin typeface="Arial" panose="020B0604020202020204" pitchFamily="34" charset="0"/>
+                <a:ea typeface="Times New Roman" panose="02020603050405020304" pitchFamily="18" charset="0"/>
+              </a:rPr>
+              <a:t>Select </a:t>
+            </a:r>
+            <a:r>
+              <a:rPr lang="en-GB" sz="2000" b="1" kern="0" dirty="0">
+                <a:effectLst/>
+                <a:latin typeface="Arial" panose="020B0604020202020204" pitchFamily="34" charset="0"/>
+                <a:ea typeface="Times New Roman" panose="02020603050405020304" pitchFamily="18" charset="0"/>
+              </a:rPr>
+              <a:t>split decision metric</a:t>
+            </a:r>
+            <a:r>
+              <a:rPr lang="en-GB" sz="2000" kern="0" dirty="0">
+                <a:effectLst/>
+                <a:latin typeface="Arial" panose="020B0604020202020204" pitchFamily="34" charset="0"/>
+                <a:ea typeface="Times New Roman" panose="02020603050405020304" pitchFamily="18" charset="0"/>
+              </a:rPr>
+              <a:t>, and optimize </a:t>
+            </a:r>
+            <a:r>
+              <a:rPr lang="en-GB" sz="2000" b="1" kern="0" dirty="0">
+                <a:effectLst/>
+                <a:latin typeface="Arial" panose="020B0604020202020204" pitchFamily="34" charset="0"/>
+                <a:ea typeface="Times New Roman" panose="02020603050405020304" pitchFamily="18" charset="0"/>
+              </a:rPr>
+              <a:t>tree depth</a:t>
+            </a:r>
+            <a:r>
+              <a:rPr lang="en-GB" sz="2000" kern="0" dirty="0">
+                <a:effectLst/>
+                <a:latin typeface="Arial" panose="020B0604020202020204" pitchFamily="34" charset="0"/>
+                <a:ea typeface="Times New Roman" panose="02020603050405020304" pitchFamily="18" charset="0"/>
               </a:rPr>
               <a:t>, </a:t>
             </a:r>
             <a:r>
-              <a:rPr lang="en-GB" sz="2000" b="1" dirty="0">
-                <a:solidFill>
-                  <a:srgbClr val="000000"/>
-                </a:solidFill>
-                <a:effectLst/>
-                <a:latin typeface="Arial" panose="020B0604020202020204" pitchFamily="34" charset="0"/>
-                <a:ea typeface="Times New Roman" panose="02020603050405020304" pitchFamily="18" charset="0"/>
-                <a:cs typeface="Arial" panose="020B0604020202020204" pitchFamily="34" charset="0"/>
-              </a:rPr>
-              <a:t>tree depth</a:t>
-            </a:r>
-            <a:r>
-              <a:rPr lang="en-GB" sz="2000" dirty="0">
-                <a:solidFill>
-                  <a:srgbClr val="000000"/>
-                </a:solidFill>
-                <a:effectLst/>
-                <a:latin typeface="Arial" panose="020B0604020202020204" pitchFamily="34" charset="0"/>
-                <a:ea typeface="Times New Roman" panose="02020603050405020304" pitchFamily="18" charset="0"/>
-                <a:cs typeface="Arial" panose="020B0604020202020204" pitchFamily="34" charset="0"/>
-              </a:rPr>
-              <a:t>, </a:t>
-            </a:r>
-            <a:r>
-              <a:rPr lang="en-GB" sz="2000" b="1" dirty="0">
-                <a:solidFill>
-                  <a:srgbClr val="000000"/>
-                </a:solidFill>
-                <a:effectLst/>
-                <a:latin typeface="Arial" panose="020B0604020202020204" pitchFamily="34" charset="0"/>
-                <a:ea typeface="Times New Roman" panose="02020603050405020304" pitchFamily="18" charset="0"/>
-                <a:cs typeface="Arial" panose="020B0604020202020204" pitchFamily="34" charset="0"/>
+              <a:rPr lang="en-GB" sz="2000" b="1" kern="0" dirty="0">
+                <a:effectLst/>
+                <a:latin typeface="Arial" panose="020B0604020202020204" pitchFamily="34" charset="0"/>
+                <a:ea typeface="Times New Roman" panose="02020603050405020304" pitchFamily="18" charset="0"/>
               </a:rPr>
               <a:t>minimum split size</a:t>
             </a:r>
             <a:r>
-              <a:rPr lang="en-GB" sz="2000" dirty="0">
-                <a:solidFill>
-                  <a:srgbClr val="000000"/>
-                </a:solidFill>
-                <a:effectLst/>
-                <a:latin typeface="Arial" panose="020B0604020202020204" pitchFamily="34" charset="0"/>
-                <a:ea typeface="Times New Roman" panose="02020603050405020304" pitchFamily="18" charset="0"/>
-                <a:cs typeface="Arial" panose="020B0604020202020204" pitchFamily="34" charset="0"/>
+              <a:rPr lang="en-GB" sz="2000" kern="0" dirty="0">
+                <a:effectLst/>
+                <a:latin typeface="Arial" panose="020B0604020202020204" pitchFamily="34" charset="0"/>
+                <a:ea typeface="Times New Roman" panose="02020603050405020304" pitchFamily="18" charset="0"/>
               </a:rPr>
               <a:t>, and </a:t>
             </a:r>
             <a:r>
-              <a:rPr lang="en-GB" sz="2000" b="1" dirty="0">
-                <a:solidFill>
-                  <a:srgbClr val="000000"/>
-                </a:solidFill>
-                <a:effectLst/>
-                <a:latin typeface="Arial" panose="020B0604020202020204" pitchFamily="34" charset="0"/>
-                <a:ea typeface="Times New Roman" panose="02020603050405020304" pitchFamily="18" charset="0"/>
-                <a:cs typeface="Arial" panose="020B0604020202020204" pitchFamily="34" charset="0"/>
+              <a:rPr lang="en-GB" sz="2000" b="1" kern="0" dirty="0">
+                <a:effectLst/>
+                <a:latin typeface="Arial" panose="020B0604020202020204" pitchFamily="34" charset="0"/>
+                <a:ea typeface="Times New Roman" panose="02020603050405020304" pitchFamily="18" charset="0"/>
               </a:rPr>
               <a:t>bucket size</a:t>
             </a:r>
             <a:r>
-              <a:rPr lang="en-GB" sz="2000" dirty="0">
-                <a:solidFill>
-                  <a:srgbClr val="000000"/>
-                </a:solidFill>
-                <a:effectLst/>
-                <a:latin typeface="Arial" panose="020B0604020202020204" pitchFamily="34" charset="0"/>
-                <a:ea typeface="Times New Roman" panose="02020603050405020304" pitchFamily="18" charset="0"/>
-                <a:cs typeface="Arial" panose="020B0604020202020204" pitchFamily="34" charset="0"/>
+              <a:rPr lang="en-GB" sz="2000" kern="0" dirty="0">
+                <a:effectLst/>
+                <a:latin typeface="Arial" panose="020B0604020202020204" pitchFamily="34" charset="0"/>
+                <a:ea typeface="Times New Roman" panose="02020603050405020304" pitchFamily="18" charset="0"/>
               </a:rPr>
               <a:t>.</a:t>
             </a:r>
@@ -7137,7 +7014,22 @@
                 <a:latin typeface="Arial" panose="020B0604020202020204" pitchFamily="34" charset="0"/>
                 <a:ea typeface="Times New Roman" panose="02020603050405020304" pitchFamily="18" charset="0"/>
               </a:rPr>
-              <a:t>5.  Compare model performance before and after PCA</a:t>
+              <a:t>5.  Compare model performance with and </a:t>
+            </a:r>
+            <a:r>
+              <a:rPr lang="en-GB" sz="2000" b="1" dirty="0">
+                <a:latin typeface="Arial" panose="020B0604020202020204" pitchFamily="34" charset="0"/>
+                <a:ea typeface="Times New Roman" panose="02020603050405020304" pitchFamily="18" charset="0"/>
+              </a:rPr>
+              <a:t>without</a:t>
+            </a:r>
+            <a:r>
+              <a:rPr lang="en-GB" sz="2000" b="1" dirty="0">
+                <a:effectLst/>
+                <a:latin typeface="Arial" panose="020B0604020202020204" pitchFamily="34" charset="0"/>
+                <a:ea typeface="Times New Roman" panose="02020603050405020304" pitchFamily="18" charset="0"/>
+              </a:rPr>
+              <a:t> PCA</a:t>
             </a:r>
             <a:endParaRPr lang="en-GB" sz="2000" dirty="0">
               <a:effectLst/>
@@ -7430,7 +7322,39 @@
               </a:spcAft>
             </a:pPr>
             <a:r>
-              <a:rPr lang="en-GB" sz="1800" b="1" dirty="0">
+              <a:rPr lang="en-GB" sz="1800" b="1" kern="0" dirty="0">
+                <a:effectLst/>
+                <a:latin typeface="Arial" panose="020B0604020202020204" pitchFamily="34" charset="0"/>
+                <a:ea typeface="Times New Roman" panose="02020603050405020304" pitchFamily="18" charset="0"/>
+              </a:rPr>
+              <a:t>Naïve Bayes</a:t>
+            </a:r>
+            <a:r>
+              <a:rPr lang="en-GB" sz="1800" kern="0" dirty="0">
+                <a:effectLst/>
+                <a:latin typeface="Arial" panose="020B0604020202020204" pitchFamily="34" charset="0"/>
+                <a:ea typeface="Times New Roman" panose="02020603050405020304" pitchFamily="18" charset="0"/>
+              </a:rPr>
+              <a:t> experiences the most significant decline in accuracy,</a:t>
+            </a:r>
+            <a:r>
+              <a:rPr lang="en-GB" sz="1800" b="1" kern="0" dirty="0">
+                <a:effectLst/>
+                <a:latin typeface="Arial" panose="020B0604020202020204" pitchFamily="34" charset="0"/>
+                <a:ea typeface="Times New Roman" panose="02020603050405020304" pitchFamily="18" charset="0"/>
+              </a:rPr>
+              <a:t> dropping by 21.5%. </a:t>
+            </a:r>
+            <a:r>
+              <a:rPr lang="en-GB" sz="1800" kern="0" dirty="0">
+                <a:effectLst/>
+                <a:latin typeface="Arial" panose="020B0604020202020204" pitchFamily="34" charset="0"/>
+                <a:ea typeface="Times New Roman" panose="02020603050405020304" pitchFamily="18" charset="0"/>
+              </a:rPr>
+              <a:t>This suggests that the original features contained crucial information that was lost during dimensionality reduction</a:t>
+            </a:r>
+            <a:r>
+              <a:rPr lang="en-GB" sz="1800" dirty="0">
                 <a:solidFill>
                   <a:srgbClr val="000000"/>
                 </a:solidFill>
@@ -7439,43 +7363,7 @@
                 <a:ea typeface="Times New Roman" panose="02020603050405020304" pitchFamily="18" charset="0"/>
                 <a:cs typeface="Arial" panose="020B0604020202020204" pitchFamily="34" charset="0"/>
               </a:rPr>
-              <a:t>Naïve Bayes</a:t>
-            </a:r>
-            <a:r>
-              <a:rPr lang="en-GB" sz="1800" dirty="0">
-                <a:solidFill>
-                  <a:srgbClr val="000000"/>
-                </a:solidFill>
-                <a:effectLst/>
-                <a:latin typeface="Arial" panose="020B0604020202020204" pitchFamily="34" charset="0"/>
-                <a:ea typeface="Times New Roman" panose="02020603050405020304" pitchFamily="18" charset="0"/>
-                <a:cs typeface="Arial" panose="020B0604020202020204" pitchFamily="34" charset="0"/>
-              </a:rPr>
-              <a:t> experiences the most significant decline in accuracy,</a:t>
-            </a:r>
-            <a:r>
-              <a:rPr lang="en-GB" sz="1800" b="1" dirty="0">
-                <a:solidFill>
-                  <a:srgbClr val="000000"/>
-                </a:solidFill>
-                <a:effectLst/>
-                <a:latin typeface="Arial" panose="020B0604020202020204" pitchFamily="34" charset="0"/>
-                <a:ea typeface="Times New Roman" panose="02020603050405020304" pitchFamily="18" charset="0"/>
-                <a:cs typeface="Arial" panose="020B0604020202020204" pitchFamily="34" charset="0"/>
-              </a:rPr>
-              <a:t> dropping by 9.5%. </a:t>
-            </a:r>
-            <a:r>
-              <a:rPr lang="en-GB" sz="1800" dirty="0">
-                <a:solidFill>
-                  <a:srgbClr val="000000"/>
-                </a:solidFill>
-                <a:effectLst/>
-                <a:latin typeface="Arial" panose="020B0604020202020204" pitchFamily="34" charset="0"/>
-                <a:ea typeface="Times New Roman" panose="02020603050405020304" pitchFamily="18" charset="0"/>
-                <a:cs typeface="Arial" panose="020B0604020202020204" pitchFamily="34" charset="0"/>
-              </a:rPr>
-              <a:t>This suggests that the original features contained crucial information that was lost during dimensionality reduction.</a:t>
+              <a:t>.</a:t>
             </a:r>
             <a:endParaRPr lang="en-GB" sz="1800" dirty="0">
               <a:solidFill>
@@ -7513,7 +7401,55 @@
               </a:spcAft>
             </a:pPr>
             <a:r>
-              <a:rPr lang="en-GB" sz="1800" b="1" dirty="0">
+              <a:rPr lang="en-GB" sz="1800" b="1" kern="0" dirty="0">
+                <a:effectLst/>
+                <a:latin typeface="Arial" panose="020B0604020202020204" pitchFamily="34" charset="0"/>
+                <a:ea typeface="Times New Roman" panose="02020603050405020304" pitchFamily="18" charset="0"/>
+              </a:rPr>
+              <a:t>Decision Tree </a:t>
+            </a:r>
+            <a:r>
+              <a:rPr lang="en-GB" sz="1800" kern="0" dirty="0">
+                <a:effectLst/>
+                <a:latin typeface="Arial" panose="020B0604020202020204" pitchFamily="34" charset="0"/>
+                <a:ea typeface="Times New Roman" panose="02020603050405020304" pitchFamily="18" charset="0"/>
+              </a:rPr>
+              <a:t>profits from PCA</a:t>
+            </a:r>
+            <a:r>
+              <a:rPr lang="en-GB" sz="1800" b="1" kern="0" dirty="0">
+                <a:effectLst/>
+                <a:latin typeface="Arial" panose="020B0604020202020204" pitchFamily="34" charset="0"/>
+                <a:ea typeface="Times New Roman" panose="02020603050405020304" pitchFamily="18" charset="0"/>
+              </a:rPr>
+              <a:t>, </a:t>
+            </a:r>
+            <a:r>
+              <a:rPr lang="en-GB" sz="1800" kern="0" dirty="0">
+                <a:effectLst/>
+                <a:latin typeface="Arial" panose="020B0604020202020204" pitchFamily="34" charset="0"/>
+                <a:ea typeface="Times New Roman" panose="02020603050405020304" pitchFamily="18" charset="0"/>
+              </a:rPr>
+              <a:t>with</a:t>
+            </a:r>
+            <a:r>
+              <a:rPr lang="en-GB" sz="1800" b="1" kern="0" dirty="0">
+                <a:effectLst/>
+                <a:latin typeface="Arial" panose="020B0604020202020204" pitchFamily="34" charset="0"/>
+                <a:ea typeface="Times New Roman" panose="02020603050405020304" pitchFamily="18" charset="0"/>
+              </a:rPr>
+              <a:t> a 11.9% increase </a:t>
+            </a:r>
+            <a:r>
+              <a:rPr lang="en-GB" sz="1800" kern="0" dirty="0">
+                <a:effectLst/>
+                <a:latin typeface="Arial" panose="020B0604020202020204" pitchFamily="34" charset="0"/>
+                <a:ea typeface="Times New Roman" panose="02020603050405020304" pitchFamily="18" charset="0"/>
+              </a:rPr>
+              <a:t>in accuracy. This indicates that the raw features provided worst decision splits than the transformed principal components</a:t>
+            </a:r>
+            <a:r>
+              <a:rPr lang="en-GB" sz="1800" dirty="0">
                 <a:solidFill>
                   <a:srgbClr val="000000"/>
                 </a:solidFill>
@@ -7522,67 +7458,7 @@
                 <a:ea typeface="Times New Roman" panose="02020603050405020304" pitchFamily="18" charset="0"/>
                 <a:cs typeface="Arial" panose="020B0604020202020204" pitchFamily="34" charset="0"/>
               </a:rPr>
-              <a:t>Decision Tree </a:t>
-            </a:r>
-            <a:r>
-              <a:rPr lang="en-GB" sz="1800" dirty="0">
-                <a:solidFill>
-                  <a:srgbClr val="000000"/>
-                </a:solidFill>
-                <a:effectLst/>
-                <a:latin typeface="Arial" panose="020B0604020202020204" pitchFamily="34" charset="0"/>
-                <a:ea typeface="Times New Roman" panose="02020603050405020304" pitchFamily="18" charset="0"/>
-                <a:cs typeface="Arial" panose="020B0604020202020204" pitchFamily="34" charset="0"/>
-              </a:rPr>
-              <a:t>also suffer from PCA</a:t>
-            </a:r>
-            <a:r>
-              <a:rPr lang="en-GB" sz="1800" b="1" dirty="0">
-                <a:solidFill>
-                  <a:srgbClr val="000000"/>
-                </a:solidFill>
-                <a:effectLst/>
-                <a:latin typeface="Arial" panose="020B0604020202020204" pitchFamily="34" charset="0"/>
-                <a:ea typeface="Times New Roman" panose="02020603050405020304" pitchFamily="18" charset="0"/>
-                <a:cs typeface="Arial" panose="020B0604020202020204" pitchFamily="34" charset="0"/>
-              </a:rPr>
-              <a:t>, </a:t>
-            </a:r>
-            <a:r>
-              <a:rPr lang="en-GB" sz="1800" dirty="0">
-                <a:solidFill>
-                  <a:srgbClr val="000000"/>
-                </a:solidFill>
-                <a:effectLst/>
-                <a:latin typeface="Arial" panose="020B0604020202020204" pitchFamily="34" charset="0"/>
-                <a:ea typeface="Times New Roman" panose="02020603050405020304" pitchFamily="18" charset="0"/>
-                <a:cs typeface="Arial" panose="020B0604020202020204" pitchFamily="34" charset="0"/>
-              </a:rPr>
-              <a:t>with</a:t>
-            </a:r>
-            <a:r>
-              <a:rPr lang="en-GB" sz="1800" b="1" dirty="0">
-                <a:solidFill>
-                  <a:srgbClr val="000000"/>
-                </a:solidFill>
-                <a:effectLst/>
-                <a:latin typeface="Arial" panose="020B0604020202020204" pitchFamily="34" charset="0"/>
-                <a:ea typeface="Times New Roman" panose="02020603050405020304" pitchFamily="18" charset="0"/>
-                <a:cs typeface="Arial" panose="020B0604020202020204" pitchFamily="34" charset="0"/>
-              </a:rPr>
-              <a:t> a 7.2% decrease </a:t>
-            </a:r>
-            <a:r>
-              <a:rPr lang="en-GB" sz="1800" dirty="0">
-                <a:solidFill>
-                  <a:srgbClr val="000000"/>
-                </a:solidFill>
-                <a:effectLst/>
-                <a:latin typeface="Arial" panose="020B0604020202020204" pitchFamily="34" charset="0"/>
-                <a:ea typeface="Times New Roman" panose="02020603050405020304" pitchFamily="18" charset="0"/>
-                <a:cs typeface="Arial" panose="020B0604020202020204" pitchFamily="34" charset="0"/>
-              </a:rPr>
-              <a:t>in accuracy. This indicates that the raw features provided better decision splits than the transformed principal components. </a:t>
+              <a:t>. </a:t>
             </a:r>
             <a:endParaRPr lang="en-GB" sz="1800" dirty="0">
               <a:solidFill>
@@ -7629,7 +7505,71 @@
               </a:spcAft>
             </a:pPr>
             <a:r>
-              <a:rPr lang="en-GB" sz="1800" b="1" dirty="0">
+              <a:rPr lang="en-GB" sz="1800" b="1" kern="0" dirty="0">
+                <a:effectLst/>
+                <a:latin typeface="Arial" panose="020B0604020202020204" pitchFamily="34" charset="0"/>
+                <a:ea typeface="Times New Roman" panose="02020603050405020304" pitchFamily="18" charset="0"/>
+              </a:rPr>
+              <a:t>KNN </a:t>
+            </a:r>
+            <a:r>
+              <a:rPr lang="en-GB" sz="1800" kern="0" dirty="0">
+                <a:effectLst/>
+                <a:latin typeface="Arial" panose="020B0604020202020204" pitchFamily="34" charset="0"/>
+                <a:ea typeface="Times New Roman" panose="02020603050405020304" pitchFamily="18" charset="0"/>
+              </a:rPr>
+              <a:t>remains the most resilient model</a:t>
+            </a:r>
+            <a:r>
+              <a:rPr lang="en-GB" sz="1800" b="1" kern="0" dirty="0">
+                <a:effectLst/>
+                <a:latin typeface="Arial" panose="020B0604020202020204" pitchFamily="34" charset="0"/>
+                <a:ea typeface="Times New Roman" panose="02020603050405020304" pitchFamily="18" charset="0"/>
+              </a:rPr>
+              <a:t>, </a:t>
+            </a:r>
+            <a:r>
+              <a:rPr lang="en-GB" sz="1800" kern="0" dirty="0">
+                <a:effectLst/>
+                <a:latin typeface="Arial" panose="020B0604020202020204" pitchFamily="34" charset="0"/>
+                <a:ea typeface="Times New Roman" panose="02020603050405020304" pitchFamily="18" charset="0"/>
+              </a:rPr>
+              <a:t>exhibiting</a:t>
+            </a:r>
+            <a:r>
+              <a:rPr lang="en-GB" sz="1800" b="1" kern="0" dirty="0">
+                <a:effectLst/>
+                <a:latin typeface="Arial" panose="020B0604020202020204" pitchFamily="34" charset="0"/>
+                <a:ea typeface="Times New Roman" panose="02020603050405020304" pitchFamily="18" charset="0"/>
+              </a:rPr>
+              <a:t> a 19.1% drop </a:t>
+            </a:r>
+            <a:r>
+              <a:rPr lang="en-GB" sz="1800" kern="0" dirty="0">
+                <a:effectLst/>
+                <a:latin typeface="Arial" panose="020B0604020202020204" pitchFamily="34" charset="0"/>
+                <a:ea typeface="Times New Roman" panose="02020603050405020304" pitchFamily="18" charset="0"/>
+              </a:rPr>
+              <a:t>in accuracy.</a:t>
+            </a:r>
+            <a:r>
+              <a:rPr lang="en-GB" sz="1800" b="1" kern="0" dirty="0">
+                <a:effectLst/>
+                <a:latin typeface="Arial" panose="020B0604020202020204" pitchFamily="34" charset="0"/>
+                <a:ea typeface="Times New Roman" panose="02020603050405020304" pitchFamily="18" charset="0"/>
+              </a:rPr>
+              <a:t> </a:t>
+            </a:r>
+            <a:r>
+              <a:rPr lang="en-GB" sz="1800" kern="0" dirty="0">
+                <a:effectLst/>
+                <a:latin typeface="Arial" panose="020B0604020202020204" pitchFamily="34" charset="0"/>
+                <a:ea typeface="Times New Roman" panose="02020603050405020304" pitchFamily="18" charset="0"/>
+              </a:rPr>
+              <a:t>This suggests that PCA had an impact on its classification ability and the original feature space was more informative</a:t>
+            </a:r>
+            <a:r>
+              <a:rPr lang="en-GB" sz="1800" dirty="0">
                 <a:solidFill>
                   <a:srgbClr val="000000"/>
                 </a:solidFill>
@@ -7638,115 +7578,7 @@
                 <a:ea typeface="Times New Roman" panose="02020603050405020304" pitchFamily="18" charset="0"/>
                 <a:cs typeface="Arial" panose="020B0604020202020204" pitchFamily="34" charset="0"/>
               </a:rPr>
-              <a:t>KNN </a:t>
-            </a:r>
-            <a:r>
-              <a:rPr lang="en-GB" sz="1800" dirty="0">
-                <a:solidFill>
-                  <a:srgbClr val="000000"/>
-                </a:solidFill>
-                <a:effectLst/>
-                <a:latin typeface="Arial" panose="020B0604020202020204" pitchFamily="34" charset="0"/>
-                <a:ea typeface="Times New Roman" panose="02020603050405020304" pitchFamily="18" charset="0"/>
-                <a:cs typeface="Arial" panose="020B0604020202020204" pitchFamily="34" charset="0"/>
-              </a:rPr>
-              <a:t>remains the most resilient model</a:t>
-            </a:r>
-            <a:r>
-              <a:rPr lang="en-GB" sz="1800" b="1" dirty="0">
-                <a:solidFill>
-                  <a:srgbClr val="000000"/>
-                </a:solidFill>
-                <a:effectLst/>
-                <a:latin typeface="Arial" panose="020B0604020202020204" pitchFamily="34" charset="0"/>
-                <a:ea typeface="Times New Roman" panose="02020603050405020304" pitchFamily="18" charset="0"/>
-                <a:cs typeface="Arial" panose="020B0604020202020204" pitchFamily="34" charset="0"/>
-              </a:rPr>
-              <a:t>, </a:t>
-            </a:r>
-            <a:r>
-              <a:rPr lang="en-GB" sz="1800" dirty="0">
-                <a:solidFill>
-                  <a:srgbClr val="000000"/>
-                </a:solidFill>
-                <a:effectLst/>
-                <a:latin typeface="Arial" panose="020B0604020202020204" pitchFamily="34" charset="0"/>
-                <a:ea typeface="Times New Roman" panose="02020603050405020304" pitchFamily="18" charset="0"/>
-                <a:cs typeface="Arial" panose="020B0604020202020204" pitchFamily="34" charset="0"/>
-              </a:rPr>
-              <a:t>exhibiting</a:t>
-            </a:r>
-            <a:r>
-              <a:rPr lang="en-GB" sz="1800" b="1" dirty="0">
-                <a:solidFill>
-                  <a:srgbClr val="000000"/>
-                </a:solidFill>
-                <a:effectLst/>
-                <a:latin typeface="Arial" panose="020B0604020202020204" pitchFamily="34" charset="0"/>
-                <a:ea typeface="Times New Roman" panose="02020603050405020304" pitchFamily="18" charset="0"/>
-                <a:cs typeface="Arial" panose="020B0604020202020204" pitchFamily="34" charset="0"/>
-              </a:rPr>
-              <a:t> </a:t>
-            </a:r>
-            <a:r>
-              <a:rPr lang="en-GB" sz="1800" dirty="0">
-                <a:solidFill>
-                  <a:srgbClr val="000000"/>
-                </a:solidFill>
-                <a:effectLst/>
-                <a:latin typeface="Arial" panose="020B0604020202020204" pitchFamily="34" charset="0"/>
-                <a:ea typeface="Times New Roman" panose="02020603050405020304" pitchFamily="18" charset="0"/>
-                <a:cs typeface="Arial" panose="020B0604020202020204" pitchFamily="34" charset="0"/>
-              </a:rPr>
-              <a:t>only</a:t>
-            </a:r>
-            <a:r>
-              <a:rPr lang="en-GB" sz="1800" b="1" dirty="0">
-                <a:solidFill>
-                  <a:srgbClr val="000000"/>
-                </a:solidFill>
-                <a:effectLst/>
-                <a:latin typeface="Arial" panose="020B0604020202020204" pitchFamily="34" charset="0"/>
-                <a:ea typeface="Times New Roman" panose="02020603050405020304" pitchFamily="18" charset="0"/>
-                <a:cs typeface="Arial" panose="020B0604020202020204" pitchFamily="34" charset="0"/>
-              </a:rPr>
-              <a:t> a 4.8% drop </a:t>
-            </a:r>
-            <a:r>
-              <a:rPr lang="en-GB" sz="1800" dirty="0">
-                <a:solidFill>
-                  <a:srgbClr val="000000"/>
-                </a:solidFill>
-                <a:effectLst/>
-                <a:latin typeface="Arial" panose="020B0604020202020204" pitchFamily="34" charset="0"/>
-                <a:ea typeface="Times New Roman" panose="02020603050405020304" pitchFamily="18" charset="0"/>
-                <a:cs typeface="Arial" panose="020B0604020202020204" pitchFamily="34" charset="0"/>
-              </a:rPr>
-              <a:t>in accuracy.</a:t>
-            </a:r>
-            <a:r>
-              <a:rPr lang="en-GB" sz="1800" b="1" dirty="0">
-                <a:solidFill>
-                  <a:srgbClr val="000000"/>
-                </a:solidFill>
-                <a:effectLst/>
-                <a:latin typeface="Arial" panose="020B0604020202020204" pitchFamily="34" charset="0"/>
-                <a:ea typeface="Times New Roman" panose="02020603050405020304" pitchFamily="18" charset="0"/>
-                <a:cs typeface="Arial" panose="020B0604020202020204" pitchFamily="34" charset="0"/>
-              </a:rPr>
-              <a:t> </a:t>
-            </a:r>
-            <a:r>
-              <a:rPr lang="en-GB" sz="1800" dirty="0">
-                <a:solidFill>
-                  <a:srgbClr val="000000"/>
-                </a:solidFill>
-                <a:effectLst/>
-                <a:latin typeface="Arial" panose="020B0604020202020204" pitchFamily="34" charset="0"/>
-                <a:ea typeface="Times New Roman" panose="02020603050405020304" pitchFamily="18" charset="0"/>
-                <a:cs typeface="Arial" panose="020B0604020202020204" pitchFamily="34" charset="0"/>
-              </a:rPr>
-              <a:t>This suggests that PCA had a smaller impact on its classification ability.</a:t>
+              <a:t>.</a:t>
             </a:r>
             <a:endParaRPr lang="en-GB" sz="1800" dirty="0">
               <a:effectLst/>
@@ -7789,7 +7621,7 @@
           <p:nvPr>
             <p:extLst>
               <p:ext uri="{D42A27DB-BD31-4B8C-83A1-F6EECF244321}">
-                <p14:modId xmlns:p14="http://schemas.microsoft.com/office/powerpoint/2010/main" val="1040055395"/>
+                <p14:modId xmlns:p14="http://schemas.microsoft.com/office/powerpoint/2010/main" val="2419036619"/>
               </p:ext>
             </p:extLst>
           </p:nvPr>
@@ -7954,7 +7786,7 @@
                           <a:latin typeface="Arial" panose="020B0604020202020204" pitchFamily="34" charset="0"/>
                           <a:cs typeface="Arial" panose="020B0604020202020204" pitchFamily="34" charset="0"/>
                         </a:rPr>
-                        <a:t>Before PCA</a:t>
+                        <a:t>Without PCA</a:t>
                       </a:r>
                       <a:endParaRPr lang="en-GB" sz="1400" dirty="0">
                         <a:solidFill>
@@ -8047,7 +7879,7 @@
                           <a:latin typeface="Arial" panose="020B0604020202020204" pitchFamily="34" charset="0"/>
                           <a:cs typeface="Arial" panose="020B0604020202020204" pitchFamily="34" charset="0"/>
                         </a:rPr>
-                        <a:t>After PCA</a:t>
+                        <a:t>With PCA</a:t>
                       </a:r>
                       <a:endParaRPr lang="en-GB" sz="1400" dirty="0">
                         <a:solidFill>
@@ -8232,7 +8064,7 @@
           <p:nvPr>
             <p:extLst>
               <p:ext uri="{D42A27DB-BD31-4B8C-83A1-F6EECF244321}">
-                <p14:modId xmlns:p14="http://schemas.microsoft.com/office/powerpoint/2010/main" val="656612726"/>
+                <p14:modId xmlns:p14="http://schemas.microsoft.com/office/powerpoint/2010/main" val="4085119611"/>
               </p:ext>
             </p:extLst>
           </p:nvPr>
@@ -8397,7 +8229,7 @@
                           <a:latin typeface="Arial" panose="020B0604020202020204" pitchFamily="34" charset="0"/>
                           <a:cs typeface="Arial" panose="020B0604020202020204" pitchFamily="34" charset="0"/>
                         </a:rPr>
-                        <a:t>69%</a:t>
+                        <a:t>66.7%</a:t>
                       </a:r>
                       <a:endParaRPr lang="en-GB" sz="1400" dirty="0">
                         <a:solidFill>
@@ -8490,7 +8322,7 @@
                           <a:latin typeface="Arial" panose="020B0604020202020204" pitchFamily="34" charset="0"/>
                           <a:cs typeface="Arial" panose="020B0604020202020204" pitchFamily="34" charset="0"/>
                         </a:rPr>
-                        <a:t>59.5%</a:t>
+                        <a:t>45.2%</a:t>
                       </a:r>
                       <a:endParaRPr lang="en-GB" sz="1400" dirty="0">
                         <a:solidFill>
@@ -8594,7 +8426,7 @@
                           <a:latin typeface="Arial" panose="020B0604020202020204" pitchFamily="34" charset="0"/>
                           <a:cs typeface="Arial" panose="020B0604020202020204" pitchFamily="34" charset="0"/>
                         </a:rPr>
-                        <a:t>-9</a:t>
+                        <a:t>-</a:t>
                       </a:r>
                       <a:r>
                         <a:rPr lang="en-US" sz="1400" dirty="0">
@@ -8605,7 +8437,7 @@
                           <a:latin typeface="Arial" panose="020B0604020202020204" pitchFamily="34" charset="0"/>
                           <a:cs typeface="Arial" panose="020B0604020202020204" pitchFamily="34" charset="0"/>
                         </a:rPr>
-                        <a:t>.5</a:t>
+                        <a:t>21.5</a:t>
                       </a:r>
                       <a:r>
                         <a:rPr lang="en-GB" sz="1400" dirty="0">
@@ -8708,7 +8540,7 @@
           <p:nvPr>
             <p:extLst>
               <p:ext uri="{D42A27DB-BD31-4B8C-83A1-F6EECF244321}">
-                <p14:modId xmlns:p14="http://schemas.microsoft.com/office/powerpoint/2010/main" val="747828942"/>
+                <p14:modId xmlns:p14="http://schemas.microsoft.com/office/powerpoint/2010/main" val="3433945933"/>
               </p:ext>
             </p:extLst>
           </p:nvPr>
@@ -8873,7 +8705,7 @@
                           <a:latin typeface="Arial" panose="020B0604020202020204" pitchFamily="34" charset="0"/>
                           <a:cs typeface="Arial" panose="020B0604020202020204" pitchFamily="34" charset="0"/>
                         </a:rPr>
-                        <a:t>52.4%</a:t>
+                        <a:t>33.3%</a:t>
                       </a:r>
                       <a:endParaRPr lang="en-GB" sz="1400" dirty="0">
                         <a:solidFill>
@@ -9051,6 +8883,18 @@
                         </a:tabLst>
                       </a:pPr>
                       <a:r>
+                        <a:rPr lang="en-GB" sz="1400" b="1" kern="1200" dirty="0">
+                          <a:solidFill>
+                            <a:schemeClr val="lt1"/>
+                          </a:solidFill>
+                          <a:effectLst/>
+                          <a:latin typeface="Arial" panose="020B0604020202020204" pitchFamily="34" charset="0"/>
+                          <a:ea typeface="+mn-ea"/>
+                          <a:cs typeface="Arial" panose="020B0604020202020204" pitchFamily="34" charset="0"/>
+                        </a:rPr>
+                        <a:t>🟢</a:t>
+                      </a:r>
+                      <a:r>
                         <a:rPr lang="en-GB" sz="1400" dirty="0">
                           <a:solidFill>
                             <a:schemeClr val="tx1"/>
@@ -9059,7 +8903,18 @@
                           <a:latin typeface="Arial" panose="020B0604020202020204" pitchFamily="34" charset="0"/>
                           <a:cs typeface="Arial" panose="020B0604020202020204" pitchFamily="34" charset="0"/>
                         </a:rPr>
-                        <a:t>🔻 </a:t>
+                        <a:t> +</a:t>
+                      </a:r>
+                      <a:r>
+                        <a:rPr lang="en-US" sz="1400" dirty="0">
+                          <a:solidFill>
+                            <a:schemeClr val="tx1"/>
+                          </a:solidFill>
+                          <a:effectLst/>
+                          <a:latin typeface="Arial" panose="020B0604020202020204" pitchFamily="34" charset="0"/>
+                          <a:cs typeface="Arial" panose="020B0604020202020204" pitchFamily="34" charset="0"/>
+                        </a:rPr>
+                        <a:t>11</a:t>
                       </a:r>
                       <a:r>
                         <a:rPr lang="el-GR" sz="1400" dirty="0">
@@ -9070,7 +8925,29 @@
                           <a:latin typeface="Arial" panose="020B0604020202020204" pitchFamily="34" charset="0"/>
                           <a:cs typeface="Arial" panose="020B0604020202020204" pitchFamily="34" charset="0"/>
                         </a:rPr>
-                        <a:t>-7.2%</a:t>
+                        <a:t>.</a:t>
+                      </a:r>
+                      <a:r>
+                        <a:rPr lang="en-US" sz="1400" dirty="0">
+                          <a:solidFill>
+                            <a:schemeClr val="tx1"/>
+                          </a:solidFill>
+                          <a:effectLst/>
+                          <a:latin typeface="Arial" panose="020B0604020202020204" pitchFamily="34" charset="0"/>
+                          <a:cs typeface="Arial" panose="020B0604020202020204" pitchFamily="34" charset="0"/>
+                        </a:rPr>
+                        <a:t>9</a:t>
+                      </a:r>
+                      <a:r>
+                        <a:rPr lang="el-GR" sz="1400" dirty="0">
+                          <a:solidFill>
+                            <a:schemeClr val="tx1"/>
+                          </a:solidFill>
+                          <a:effectLst/>
+                          <a:latin typeface="Arial" panose="020B0604020202020204" pitchFamily="34" charset="0"/>
+                          <a:cs typeface="Arial" panose="020B0604020202020204" pitchFamily="34" charset="0"/>
+                        </a:rPr>
+                        <a:t>%</a:t>
                       </a:r>
                       <a:endParaRPr lang="en-GB" sz="1400" dirty="0">
                         <a:solidFill>
@@ -9162,7 +9039,7 @@
           <p:nvPr>
             <p:extLst>
               <p:ext uri="{D42A27DB-BD31-4B8C-83A1-F6EECF244321}">
-                <p14:modId xmlns:p14="http://schemas.microsoft.com/office/powerpoint/2010/main" val="3106354979"/>
+                <p14:modId xmlns:p14="http://schemas.microsoft.com/office/powerpoint/2010/main" val="2620803968"/>
               </p:ext>
             </p:extLst>
           </p:nvPr>
@@ -9327,7 +9204,7 @@
                           <a:latin typeface="Arial" panose="020B0604020202020204" pitchFamily="34" charset="0"/>
                           <a:cs typeface="Arial" panose="020B0604020202020204" pitchFamily="34" charset="0"/>
                         </a:rPr>
-                        <a:t>78.6%</a:t>
+                        <a:t>90.5%</a:t>
                       </a:r>
                       <a:endParaRPr lang="en-GB" sz="1400" dirty="0">
                         <a:solidFill>
@@ -9420,7 +9297,7 @@
                           <a:latin typeface="Arial" panose="020B0604020202020204" pitchFamily="34" charset="0"/>
                           <a:cs typeface="Arial" panose="020B0604020202020204" pitchFamily="34" charset="0"/>
                         </a:rPr>
-                        <a:t>73.8%</a:t>
+                        <a:t>71.4%</a:t>
                       </a:r>
                       <a:endParaRPr lang="en-GB" sz="1400" dirty="0">
                         <a:solidFill>
@@ -9535,29 +9412,7 @@
                           <a:latin typeface="Arial" panose="020B0604020202020204" pitchFamily="34" charset="0"/>
                           <a:cs typeface="Arial" panose="020B0604020202020204" pitchFamily="34" charset="0"/>
                         </a:rPr>
-                        <a:t>4</a:t>
-                      </a:r>
-                      <a:r>
-                        <a:rPr lang="el-GR" sz="1400" dirty="0">
-                          <a:solidFill>
-                            <a:schemeClr val="tx1"/>
-                          </a:solidFill>
-                          <a:effectLst/>
-                          <a:latin typeface="Arial" panose="020B0604020202020204" pitchFamily="34" charset="0"/>
-                          <a:cs typeface="Arial" panose="020B0604020202020204" pitchFamily="34" charset="0"/>
-                        </a:rPr>
-                        <a:t>.</a:t>
-                      </a:r>
-                      <a:r>
-                        <a:rPr lang="en-GB" sz="1400" dirty="0">
-                          <a:solidFill>
-                            <a:schemeClr val="tx1"/>
-                          </a:solidFill>
-                          <a:effectLst/>
-                          <a:latin typeface="Arial" panose="020B0604020202020204" pitchFamily="34" charset="0"/>
-                          <a:cs typeface="Arial" panose="020B0604020202020204" pitchFamily="34" charset="0"/>
-                        </a:rPr>
-                        <a:t>8</a:t>
+                        <a:t>19.1</a:t>
                       </a:r>
                       <a:r>
                         <a:rPr lang="el-GR" sz="1400" dirty="0">
@@ -9792,20 +9647,34 @@
                 <a:latin typeface="Arial" panose="020B0604020202020204" pitchFamily="34" charset="0"/>
                 <a:cs typeface="Arial" panose="020B0604020202020204" pitchFamily="34" charset="0"/>
               </a:rPr>
-              <a:t> without PCA yielded the strongest outcomes for </a:t>
+              <a:t> without PCA yielded the strongest outcomes for</a:t>
             </a:r>
             <a:r>
               <a:rPr lang="en-GB" sz="1900" b="1" dirty="0">
                 <a:latin typeface="Arial" panose="020B0604020202020204" pitchFamily="34" charset="0"/>
                 <a:cs typeface="Arial" panose="020B0604020202020204" pitchFamily="34" charset="0"/>
               </a:rPr>
-              <a:t>ANGER, DISGUST, JOY, NEUTRAL, SADNESS,</a:t>
+              <a:t> DISGUST, JOY, NEUTRAL,</a:t>
             </a:r>
             <a:r>
               <a:rPr lang="en-GB" sz="1900" dirty="0">
                 <a:latin typeface="Arial" panose="020B0604020202020204" pitchFamily="34" charset="0"/>
                 <a:cs typeface="Arial" panose="020B0604020202020204" pitchFamily="34" charset="0"/>
               </a:rPr>
+              <a:t> </a:t>
+            </a:r>
+            <a:r>
+              <a:rPr lang="en-GB" sz="1900" b="1" dirty="0">
+                <a:latin typeface="Arial" panose="020B0604020202020204" pitchFamily="34" charset="0"/>
+                <a:cs typeface="Arial" panose="020B0604020202020204" pitchFamily="34" charset="0"/>
+              </a:rPr>
+              <a:t>SADNESS,</a:t>
+            </a:r>
+            <a:r>
+              <a:rPr lang="en-GB" sz="1900" dirty="0">
+                <a:latin typeface="Arial" panose="020B0604020202020204" pitchFamily="34" charset="0"/>
+                <a:cs typeface="Arial" panose="020B0604020202020204" pitchFamily="34" charset="0"/>
+              </a:rPr>
               <a:t> and </a:t>
             </a:r>
             <a:r>
@@ -9827,6 +9696,20 @@
                 <a:latin typeface="Arial" panose="020B0604020202020204" pitchFamily="34" charset="0"/>
                 <a:cs typeface="Arial" panose="020B0604020202020204" pitchFamily="34" charset="0"/>
               </a:rPr>
+              <a:t>ANGER,</a:t>
+            </a:r>
+            <a:r>
+              <a:rPr lang="en-GB" sz="1900" dirty="0">
+                <a:latin typeface="Arial" panose="020B0604020202020204" pitchFamily="34" charset="0"/>
+                <a:cs typeface="Arial" panose="020B0604020202020204" pitchFamily="34" charset="0"/>
+              </a:rPr>
+              <a:t> and </a:t>
+            </a:r>
+            <a:r>
+              <a:rPr lang="en-GB" sz="1900" b="1" dirty="0">
+                <a:latin typeface="Arial" panose="020B0604020202020204" pitchFamily="34" charset="0"/>
+                <a:cs typeface="Arial" panose="020B0604020202020204" pitchFamily="34" charset="0"/>
+              </a:rPr>
               <a:t>FEAR</a:t>
             </a:r>
             <a:r>
@@ -9841,7 +9724,7 @@
                 <a:latin typeface="Arial" panose="020B0604020202020204" pitchFamily="34" charset="0"/>
                 <a:cs typeface="Arial" panose="020B0604020202020204" pitchFamily="34" charset="0"/>
               </a:rPr>
-              <a:t>DISGUST, SADNESS,</a:t>
+              <a:t>DISGUST, JOY, NEUTRAL,</a:t>
             </a:r>
             <a:r>
               <a:rPr lang="en-GB" sz="1900" dirty="0">
@@ -9869,7 +9752,7 @@
                 <a:latin typeface="Arial" panose="020B0604020202020204" pitchFamily="34" charset="0"/>
                 <a:cs typeface="Arial" panose="020B0604020202020204" pitchFamily="34" charset="0"/>
               </a:rPr>
-              <a:t>ANGER, FEAR, JOY,</a:t>
+              <a:t>ANGER, FEAR,</a:t>
             </a:r>
             <a:r>
               <a:rPr lang="en-GB" sz="1900" dirty="0">
@@ -9883,7 +9766,7 @@
                 <a:latin typeface="Arial" panose="020B0604020202020204" pitchFamily="34" charset="0"/>
                 <a:cs typeface="Arial" panose="020B0604020202020204" pitchFamily="34" charset="0"/>
               </a:rPr>
-              <a:t>NEUTRAL</a:t>
+              <a:t>SADNESS</a:t>
             </a:r>
             <a:r>
               <a:rPr lang="en-GB" sz="1900" dirty="0">
@@ -9929,7 +9812,7 @@
                 <a:latin typeface="Arial" panose="020B0604020202020204" pitchFamily="34" charset="0"/>
                 <a:cs typeface="Arial" panose="020B0604020202020204" pitchFamily="34" charset="0"/>
               </a:rPr>
-              <a:t>FEAR, JOY,</a:t>
+              <a:t>JOY,</a:t>
             </a:r>
             <a:r>
               <a:rPr lang="en-GB" sz="1900" dirty="0">
@@ -9957,7 +9840,7 @@
                 <a:latin typeface="Arial" panose="020B0604020202020204" pitchFamily="34" charset="0"/>
                 <a:cs typeface="Arial" panose="020B0604020202020204" pitchFamily="34" charset="0"/>
               </a:rPr>
-              <a:t>ANGER, DISGUST, NEUTRAL,</a:t>
+              <a:t>ANGER, DISGUST, FEAR, NEUTRAL,</a:t>
             </a:r>
             <a:r>
               <a:rPr lang="en-GB" sz="1900" dirty="0">
@@ -9985,13 +9868,41 @@
                 <a:latin typeface="Arial" panose="020B0604020202020204" pitchFamily="34" charset="0"/>
                 <a:cs typeface="Arial" panose="020B0604020202020204" pitchFamily="34" charset="0"/>
               </a:rPr>
-              <a:t>DISGUST, NEUTRAL,</a:t>
+              <a:t>ANGER, DISGUST, </a:t>
             </a:r>
             <a:r>
               <a:rPr lang="en-GB" sz="1900" dirty="0">
                 <a:latin typeface="Arial" panose="020B0604020202020204" pitchFamily="34" charset="0"/>
                 <a:cs typeface="Arial" panose="020B0604020202020204" pitchFamily="34" charset="0"/>
               </a:rPr>
+              <a:t>and </a:t>
+            </a:r>
+            <a:r>
+              <a:rPr lang="en-GB" sz="1900" b="1" dirty="0">
+                <a:latin typeface="Arial" panose="020B0604020202020204" pitchFamily="34" charset="0"/>
+                <a:cs typeface="Arial" panose="020B0604020202020204" pitchFamily="34" charset="0"/>
+              </a:rPr>
+              <a:t>JOY</a:t>
+            </a:r>
+            <a:r>
+              <a:rPr lang="en-GB" sz="1900" dirty="0">
+                <a:latin typeface="Arial" panose="020B0604020202020204" pitchFamily="34" charset="0"/>
+                <a:cs typeface="Arial" panose="020B0604020202020204" pitchFamily="34" charset="0"/>
+              </a:rPr>
+              <a:t> more successfully, but its accuracy dropped for </a:t>
+            </a:r>
+            <a:r>
+              <a:rPr lang="en-GB" sz="1900" b="1" dirty="0">
+                <a:latin typeface="Arial" panose="020B0604020202020204" pitchFamily="34" charset="0"/>
+                <a:cs typeface="Arial" panose="020B0604020202020204" pitchFamily="34" charset="0"/>
+              </a:rPr>
+              <a:t>FEAR, NEUTRAL, SADNESS,</a:t>
+            </a:r>
+            <a:r>
+              <a:rPr lang="en-GB" sz="1900" dirty="0">
+                <a:latin typeface="Arial" panose="020B0604020202020204" pitchFamily="34" charset="0"/>
+                <a:cs typeface="Arial" panose="020B0604020202020204" pitchFamily="34" charset="0"/>
+              </a:rPr>
               <a:t> and </a:t>
             </a:r>
             <a:r>
@@ -10001,41 +9912,10 @@
               </a:rPr>
               <a:t>SURPRISE</a:t>
             </a:r>
-            <a:r>
-              <a:rPr lang="en-GB" sz="1900" dirty="0">
-                <a:latin typeface="Arial" panose="020B0604020202020204" pitchFamily="34" charset="0"/>
-                <a:cs typeface="Arial" panose="020B0604020202020204" pitchFamily="34" charset="0"/>
-              </a:rPr>
-              <a:t> more successfully, but its accuracy dropped for </a:t>
-            </a:r>
-            <a:r>
-              <a:rPr lang="en-GB" sz="1900" b="1" dirty="0">
-                <a:latin typeface="Arial" panose="020B0604020202020204" pitchFamily="34" charset="0"/>
-                <a:cs typeface="Arial" panose="020B0604020202020204" pitchFamily="34" charset="0"/>
-              </a:rPr>
-              <a:t>ANGER, FEAR, JOY,</a:t>
-            </a:r>
-            <a:r>
-              <a:rPr lang="en-GB" sz="1900" dirty="0">
-                <a:latin typeface="Arial" panose="020B0604020202020204" pitchFamily="34" charset="0"/>
-                <a:cs typeface="Arial" panose="020B0604020202020204" pitchFamily="34" charset="0"/>
-              </a:rPr>
-              <a:t> and </a:t>
-            </a:r>
-            <a:r>
-              <a:rPr lang="en-GB" sz="1900" b="1" dirty="0">
-                <a:latin typeface="Arial" panose="020B0604020202020204" pitchFamily="34" charset="0"/>
-                <a:cs typeface="Arial" panose="020B0604020202020204" pitchFamily="34" charset="0"/>
-              </a:rPr>
-              <a:t>SADNESS</a:t>
-            </a:r>
-            <a:r>
-              <a:rPr lang="en-GB" sz="1900" dirty="0">
-                <a:latin typeface="Arial" panose="020B0604020202020204" pitchFamily="34" charset="0"/>
-                <a:cs typeface="Arial" panose="020B0604020202020204" pitchFamily="34" charset="0"/>
-              </a:rPr>
-              <a:t>.</a:t>
-            </a:r>
+            <a:endParaRPr lang="en-GB" sz="1900" dirty="0">
+              <a:latin typeface="Arial" panose="020B0604020202020204" pitchFamily="34" charset="0"/>
+              <a:cs typeface="Arial" panose="020B0604020202020204" pitchFamily="34" charset="0"/>
+            </a:endParaRPr>
           </a:p>
           <a:p>
             <a:pPr algn="just" fontAlgn="base">
@@ -10081,7 +9961,7 @@
                 <a:latin typeface="Arial" panose="020B0604020202020204" pitchFamily="34" charset="0"/>
                 <a:cs typeface="Arial" panose="020B0604020202020204" pitchFamily="34" charset="0"/>
               </a:rPr>
-              <a:t>ANGER, DISGUST, JOY, NEUTRAL, SADNESS,</a:t>
+              <a:t>ANGER, DISGUST, FEAR, JOY, NEUTRAL, SADNESS,</a:t>
             </a:r>
             <a:r>
               <a:rPr lang="en-GB" sz="1900" dirty="0">
@@ -10102,21 +9982,21 @@
                 <a:latin typeface="Arial" panose="020B0604020202020204" pitchFamily="34" charset="0"/>
                 <a:cs typeface="Arial" panose="020B0604020202020204" pitchFamily="34" charset="0"/>
               </a:rPr>
-              <a:t> effectively, though it struggled to classify </a:t>
+              <a:t> effectively, and had no struggles to classify accurately. Following PCA, KNN continued to do well on </a:t>
             </a:r>
             <a:r>
               <a:rPr lang="en-GB" sz="1900" b="1" dirty="0">
                 <a:latin typeface="Arial" panose="020B0604020202020204" pitchFamily="34" charset="0"/>
                 <a:cs typeface="Arial" panose="020B0604020202020204" pitchFamily="34" charset="0"/>
               </a:rPr>
-              <a:t>FEAR</a:t>
+              <a:t>ANGER,</a:t>
             </a:r>
             <a:r>
               <a:rPr lang="en-GB" sz="1900" dirty="0">
                 <a:latin typeface="Arial" panose="020B0604020202020204" pitchFamily="34" charset="0"/>
                 <a:cs typeface="Arial" panose="020B0604020202020204" pitchFamily="34" charset="0"/>
               </a:rPr>
-              <a:t> accurately. Following PCA, KNN continued to do well on </a:t>
+              <a:t> </a:t>
             </a:r>
             <a:r>
               <a:rPr lang="en-GB" sz="1900" b="1" dirty="0">
@@ -10145,20 +10025,6 @@
                 <a:cs typeface="Arial" panose="020B0604020202020204" pitchFamily="34" charset="0"/>
               </a:rPr>
               <a:t>, but showed weaker performance on </a:t>
-            </a:r>
-            <a:r>
-              <a:rPr lang="en-GB" sz="1900" b="1" dirty="0">
-                <a:latin typeface="Arial" panose="020B0604020202020204" pitchFamily="34" charset="0"/>
-                <a:cs typeface="Arial" panose="020B0604020202020204" pitchFamily="34" charset="0"/>
-              </a:rPr>
-              <a:t>ANGER</a:t>
-            </a:r>
-            <a:r>
-              <a:rPr lang="en-GB" sz="1900" dirty="0">
-                <a:latin typeface="Arial" panose="020B0604020202020204" pitchFamily="34" charset="0"/>
-                <a:cs typeface="Arial" panose="020B0604020202020204" pitchFamily="34" charset="0"/>
-              </a:rPr>
-              <a:t> and </a:t>
             </a:r>
             <a:r>
               <a:rPr lang="en-GB" sz="1900" b="1" dirty="0">
